--- a/asyncio.pptx
+++ b/asyncio.pptx
@@ -5,7 +5,7 @@
     <p:sldMasterId id="2147483657" r:id="rId1"/>
   </p:sldMasterIdLst>
   <p:notesMasterIdLst>
-    <p:notesMasterId r:id="rId24"/>
+    <p:notesMasterId r:id="rId25"/>
   </p:notesMasterIdLst>
   <p:sldIdLst>
     <p:sldId id="256" r:id="rId2"/>
@@ -29,7 +29,8 @@
     <p:sldId id="315" r:id="rId20"/>
     <p:sldId id="312" r:id="rId21"/>
     <p:sldId id="313" r:id="rId22"/>
-    <p:sldId id="279" r:id="rId23"/>
+    <p:sldId id="318" r:id="rId23"/>
+    <p:sldId id="279" r:id="rId24"/>
   </p:sldIdLst>
   <p:sldSz cx="9144000" cy="5143500" type="screen16x9"/>
   <p:notesSz cx="6858000" cy="9144000"/>
@@ -262,6 +263,11 @@
       </a:defRPr>
     </a:lvl9pPr>
   </p:defaultTextStyle>
+  <p:extLst>
+    <p:ext uri="{EFAFB233-063F-42B5-8137-9DF3F51BA10A}">
+      <p15:sldGuideLst xmlns:p15="http://schemas.microsoft.com/office/powerpoint/2012/main"/>
+    </p:ext>
+  </p:extLst>
 </p:presentation>
 </file>
 
@@ -811,6 +817,110 @@
 </file>
 
 <file path=ppt/notesSlides/notesSlide2.xml><?xml version="1.0" encoding="utf-8"?>
+<p:notes xmlns:a="http://schemas.openxmlformats.org/drawingml/2006/main" xmlns:r="http://schemas.openxmlformats.org/officeDocument/2006/relationships" xmlns:p="http://schemas.openxmlformats.org/presentationml/2006/main" showMasterSp="0" showMasterPhAnim="0">
+  <p:cSld>
+    <p:spTree>
+      <p:nvGrpSpPr>
+        <p:cNvPr id="1" name="Shape 508"/>
+        <p:cNvGrpSpPr/>
+        <p:nvPr/>
+      </p:nvGrpSpPr>
+      <p:grpSpPr>
+        <a:xfrm>
+          <a:off x="0" y="0"/>
+          <a:ext cx="0" cy="0"/>
+          <a:chOff x="0" y="0"/>
+          <a:chExt cx="0" cy="0"/>
+        </a:xfrm>
+      </p:grpSpPr>
+      <p:sp>
+        <p:nvSpPr>
+          <p:cNvPr id="509" name="Google Shape;509;g35ed75ccf_0134:notes"/>
+          <p:cNvSpPr>
+            <a:spLocks noGrp="1" noRot="1" noChangeAspect="1"/>
+          </p:cNvSpPr>
+          <p:nvPr>
+            <p:ph type="sldImg" idx="2"/>
+          </p:nvPr>
+        </p:nvSpPr>
+        <p:spPr>
+          <a:xfrm>
+            <a:off x="381000" y="685800"/>
+            <a:ext cx="6096000" cy="3429000"/>
+          </a:xfrm>
+          <a:custGeom>
+            <a:avLst/>
+            <a:gdLst/>
+            <a:ahLst/>
+            <a:cxnLst/>
+            <a:rect l="l" t="t" r="r" b="b"/>
+            <a:pathLst>
+              <a:path w="120000" h="120000" extrusionOk="0">
+                <a:moveTo>
+                  <a:pt x="0" y="0"/>
+                </a:moveTo>
+                <a:lnTo>
+                  <a:pt x="120000" y="0"/>
+                </a:lnTo>
+                <a:lnTo>
+                  <a:pt x="120000" y="120000"/>
+                </a:lnTo>
+                <a:lnTo>
+                  <a:pt x="0" y="120000"/>
+                </a:lnTo>
+                <a:close/>
+              </a:path>
+            </a:pathLst>
+          </a:custGeom>
+        </p:spPr>
+      </p:sp>
+      <p:sp>
+        <p:nvSpPr>
+          <p:cNvPr id="510" name="Google Shape;510;g35ed75ccf_0134:notes"/>
+          <p:cNvSpPr txBox="1">
+            <a:spLocks noGrp="1"/>
+          </p:cNvSpPr>
+          <p:nvPr>
+            <p:ph type="body" idx="1"/>
+          </p:nvPr>
+        </p:nvSpPr>
+        <p:spPr>
+          <a:xfrm>
+            <a:off x="685800" y="4343400"/>
+            <a:ext cx="5486400" cy="4114800"/>
+          </a:xfrm>
+          <a:prstGeom prst="rect">
+            <a:avLst/>
+          </a:prstGeom>
+        </p:spPr>
+        <p:txBody>
+          <a:bodyPr spcFirstLastPara="1" wrap="square" lIns="91425" tIns="91425" rIns="91425" bIns="91425" anchor="t" anchorCtr="0">
+            <a:noAutofit/>
+          </a:bodyPr>
+          <a:lstStyle/>
+          <a:p>
+            <a:pPr marL="0" lvl="0" indent="0" algn="l" rtl="0">
+              <a:spcBef>
+                <a:spcPts val="0"/>
+              </a:spcBef>
+              <a:spcAft>
+                <a:spcPts val="0"/>
+              </a:spcAft>
+              <a:buNone/>
+            </a:pPr>
+            <a:endParaRPr/>
+          </a:p>
+        </p:txBody>
+      </p:sp>
+    </p:spTree>
+  </p:cSld>
+  <p:clrMapOvr>
+    <a:masterClrMapping/>
+  </p:clrMapOvr>
+</p:notes>
+</file>
+
+<file path=ppt/notesSlides/notesSlide3.xml><?xml version="1.0" encoding="utf-8"?>
 <p:notes xmlns:a="http://schemas.openxmlformats.org/drawingml/2006/main" xmlns:r="http://schemas.openxmlformats.org/officeDocument/2006/relationships" xmlns:p="http://schemas.openxmlformats.org/presentationml/2006/main" showMasterSp="0" showMasterPhAnim="0">
   <p:cSld>
     <p:spTree>
@@ -40248,6 +40358,1332 @@
   <p:cSld>
     <p:spTree>
       <p:nvGrpSpPr>
+        <p:cNvPr id="1" name="Shape 511"/>
+        <p:cNvGrpSpPr/>
+        <p:nvPr/>
+      </p:nvGrpSpPr>
+      <p:grpSpPr>
+        <a:xfrm>
+          <a:off x="0" y="0"/>
+          <a:ext cx="0" cy="0"/>
+          <a:chOff x="0" y="0"/>
+          <a:chExt cx="0" cy="0"/>
+        </a:xfrm>
+      </p:grpSpPr>
+      <p:sp>
+        <p:nvSpPr>
+          <p:cNvPr id="512" name="Google Shape;512;p35"/>
+          <p:cNvSpPr txBox="1">
+            <a:spLocks noGrp="1"/>
+          </p:cNvSpPr>
+          <p:nvPr>
+            <p:ph type="title"/>
+          </p:nvPr>
+        </p:nvSpPr>
+        <p:spPr>
+          <a:xfrm>
+            <a:off x="3133500" y="478486"/>
+            <a:ext cx="6010500" cy="396300"/>
+          </a:xfrm>
+          <a:prstGeom prst="rect">
+            <a:avLst/>
+          </a:prstGeom>
+        </p:spPr>
+        <p:txBody>
+          <a:bodyPr spcFirstLastPara="1" wrap="square" lIns="0" tIns="0" rIns="0" bIns="0" anchor="ctr" anchorCtr="0">
+            <a:noAutofit/>
+          </a:bodyPr>
+          <a:lstStyle/>
+          <a:p>
+            <a:pPr marL="0" lvl="0" indent="0" algn="l" rtl="0">
+              <a:spcBef>
+                <a:spcPts val="0"/>
+              </a:spcBef>
+              <a:spcAft>
+                <a:spcPts val="0"/>
+              </a:spcAft>
+              <a:buNone/>
+            </a:pPr>
+            <a:r>
+              <a:rPr lang="en" sz="4400" b="1" dirty="0"/>
+              <a:t>CREDITS</a:t>
+            </a:r>
+            <a:endParaRPr b="1" dirty="0"/>
+          </a:p>
+        </p:txBody>
+      </p:sp>
+      <p:sp>
+        <p:nvSpPr>
+          <p:cNvPr id="513" name="Google Shape;513;p35"/>
+          <p:cNvSpPr txBox="1">
+            <a:spLocks noGrp="1"/>
+          </p:cNvSpPr>
+          <p:nvPr>
+            <p:ph type="body" idx="1"/>
+          </p:nvPr>
+        </p:nvSpPr>
+        <p:spPr>
+          <a:xfrm>
+            <a:off x="865001" y="1950118"/>
+            <a:ext cx="6549436" cy="2884200"/>
+          </a:xfrm>
+          <a:prstGeom prst="rect">
+            <a:avLst/>
+          </a:prstGeom>
+        </p:spPr>
+        <p:txBody>
+          <a:bodyPr spcFirstLastPara="1" wrap="square" lIns="0" tIns="0" rIns="0" bIns="0" anchor="t" anchorCtr="0">
+            <a:noAutofit/>
+          </a:bodyPr>
+          <a:lstStyle/>
+          <a:p>
+            <a:pPr marL="457200" lvl="0" indent="-381000" algn="l" rtl="0">
+              <a:lnSpc>
+                <a:spcPct val="115000"/>
+              </a:lnSpc>
+              <a:spcBef>
+                <a:spcPts val="800"/>
+              </a:spcBef>
+              <a:spcAft>
+                <a:spcPts val="0"/>
+              </a:spcAft>
+              <a:buSzPts val="2400"/>
+              <a:buChar char="⬢"/>
+            </a:pPr>
+            <a:r>
+              <a:rPr lang="en-IN" sz="2400" dirty="0">
+                <a:solidFill>
+                  <a:schemeClr val="tx1">
+                    <a:lumMod val="75000"/>
+                  </a:schemeClr>
+                </a:solidFill>
+                <a:hlinkClick r:id="rId3">
+                  <a:extLst>
+                    <a:ext uri="{A12FA001-AC4F-418D-AE19-62706E023703}">
+                      <ahyp:hlinkClr xmlns:ahyp="http://schemas.microsoft.com/office/drawing/2018/hyperlinkcolor" val="tx"/>
+                    </a:ext>
+                  </a:extLst>
+                </a:hlinkClick>
+              </a:rPr>
+              <a:t>https://realpython.com/async-io-python/</a:t>
+            </a:r>
+            <a:endParaRPr lang="en-IN" sz="2400" dirty="0">
+              <a:solidFill>
+                <a:schemeClr val="tx1">
+                  <a:lumMod val="75000"/>
+                </a:schemeClr>
+              </a:solidFill>
+            </a:endParaRPr>
+          </a:p>
+          <a:p>
+            <a:pPr marL="457200" lvl="0" indent="-381000" algn="l" rtl="0">
+              <a:lnSpc>
+                <a:spcPct val="115000"/>
+              </a:lnSpc>
+              <a:spcBef>
+                <a:spcPts val="800"/>
+              </a:spcBef>
+              <a:spcAft>
+                <a:spcPts val="0"/>
+              </a:spcAft>
+              <a:buSzPts val="2400"/>
+              <a:buChar char="⬢"/>
+            </a:pPr>
+            <a:r>
+              <a:rPr lang="en-IN" sz="2400" dirty="0">
+                <a:solidFill>
+                  <a:schemeClr val="tx1">
+                    <a:lumMod val="75000"/>
+                  </a:schemeClr>
+                </a:solidFill>
+                <a:hlinkClick r:id="rId4">
+                  <a:extLst>
+                    <a:ext uri="{A12FA001-AC4F-418D-AE19-62706E023703}">
+                      <ahyp:hlinkClr xmlns:ahyp="http://schemas.microsoft.com/office/drawing/2018/hyperlinkcolor" val="tx"/>
+                    </a:ext>
+                  </a:extLst>
+                </a:hlinkClick>
+              </a:rPr>
+              <a:t>https://docs.python.org/3/library/asyncio.html</a:t>
+            </a:r>
+            <a:endParaRPr lang="en-IN" sz="2400" dirty="0">
+              <a:solidFill>
+                <a:schemeClr val="tx1">
+                  <a:lumMod val="75000"/>
+                </a:schemeClr>
+              </a:solidFill>
+            </a:endParaRPr>
+          </a:p>
+          <a:p>
+            <a:pPr marL="457200" lvl="0" indent="-381000" algn="l" rtl="0">
+              <a:lnSpc>
+                <a:spcPct val="115000"/>
+              </a:lnSpc>
+              <a:spcBef>
+                <a:spcPts val="800"/>
+              </a:spcBef>
+              <a:spcAft>
+                <a:spcPts val="0"/>
+              </a:spcAft>
+              <a:buSzPts val="2400"/>
+              <a:buChar char="⬢"/>
+            </a:pPr>
+            <a:r>
+              <a:rPr lang="en-IN" sz="2400" dirty="0">
+                <a:solidFill>
+                  <a:schemeClr val="tx1">
+                    <a:lumMod val="75000"/>
+                  </a:schemeClr>
+                </a:solidFill>
+                <a:hlinkClick r:id="rId5">
+                  <a:extLst>
+                    <a:ext uri="{A12FA001-AC4F-418D-AE19-62706E023703}">
+                      <ahyp:hlinkClr xmlns:ahyp="http://schemas.microsoft.com/office/drawing/2018/hyperlinkcolor" val="tx"/>
+                    </a:ext>
+                  </a:extLst>
+                </a:hlinkClick>
+              </a:rPr>
+              <a:t>https://docs.aiohttp.org/en/stable/#client-example</a:t>
+            </a:r>
+            <a:endParaRPr lang="en-IN" sz="2400" dirty="0">
+              <a:solidFill>
+                <a:schemeClr val="tx1">
+                  <a:lumMod val="75000"/>
+                </a:schemeClr>
+              </a:solidFill>
+            </a:endParaRPr>
+          </a:p>
+        </p:txBody>
+      </p:sp>
+      <p:sp>
+        <p:nvSpPr>
+          <p:cNvPr id="514" name="Google Shape;514;p35"/>
+          <p:cNvSpPr txBox="1">
+            <a:spLocks noGrp="1"/>
+          </p:cNvSpPr>
+          <p:nvPr>
+            <p:ph type="sldNum" idx="12"/>
+          </p:nvPr>
+        </p:nvSpPr>
+        <p:spPr>
+          <a:xfrm>
+            <a:off x="8480584" y="4749851"/>
+            <a:ext cx="548700" cy="393600"/>
+          </a:xfrm>
+          <a:prstGeom prst="rect">
+            <a:avLst/>
+          </a:prstGeom>
+        </p:spPr>
+        <p:txBody>
+          <a:bodyPr spcFirstLastPara="1" wrap="square" lIns="0" tIns="0" rIns="0" bIns="0" anchor="ctr" anchorCtr="0">
+            <a:noAutofit/>
+          </a:bodyPr>
+          <a:lstStyle/>
+          <a:p>
+            <a:pPr marL="0" lvl="0" indent="0" algn="r" rtl="0">
+              <a:spcBef>
+                <a:spcPts val="0"/>
+              </a:spcBef>
+              <a:spcAft>
+                <a:spcPts val="0"/>
+              </a:spcAft>
+              <a:buNone/>
+            </a:pPr>
+            <a:fld id="{00000000-1234-1234-1234-123412341234}" type="slidenum">
+              <a:rPr lang="en"/>
+              <a:t>22</a:t>
+            </a:fld>
+            <a:endParaRPr/>
+          </a:p>
+        </p:txBody>
+      </p:sp>
+      <p:grpSp>
+        <p:nvGrpSpPr>
+          <p:cNvPr id="515" name="Google Shape;515;p35"/>
+          <p:cNvGrpSpPr/>
+          <p:nvPr/>
+        </p:nvGrpSpPr>
+        <p:grpSpPr>
+          <a:xfrm>
+            <a:off x="135880" y="874786"/>
+            <a:ext cx="257118" cy="276131"/>
+            <a:chOff x="611175" y="2326900"/>
+            <a:chExt cx="362700" cy="389575"/>
+          </a:xfrm>
+        </p:grpSpPr>
+        <p:sp>
+          <p:nvSpPr>
+            <p:cNvPr id="516" name="Google Shape;516;p35"/>
+            <p:cNvSpPr/>
+            <p:nvPr/>
+          </p:nvSpPr>
+          <p:spPr>
+            <a:xfrm>
+              <a:off x="611175" y="2326900"/>
+              <a:ext cx="362700" cy="389575"/>
+            </a:xfrm>
+            <a:custGeom>
+              <a:avLst/>
+              <a:gdLst/>
+              <a:ahLst/>
+              <a:cxnLst/>
+              <a:rect l="l" t="t" r="r" b="b"/>
+              <a:pathLst>
+                <a:path w="14508" h="15583" extrusionOk="0">
+                  <a:moveTo>
+                    <a:pt x="9647" y="489"/>
+                  </a:moveTo>
+                  <a:lnTo>
+                    <a:pt x="9769" y="513"/>
+                  </a:lnTo>
+                  <a:lnTo>
+                    <a:pt x="9916" y="562"/>
+                  </a:lnTo>
+                  <a:lnTo>
+                    <a:pt x="10014" y="660"/>
+                  </a:lnTo>
+                  <a:lnTo>
+                    <a:pt x="10087" y="782"/>
+                  </a:lnTo>
+                  <a:lnTo>
+                    <a:pt x="10111" y="928"/>
+                  </a:lnTo>
+                  <a:lnTo>
+                    <a:pt x="10111" y="1075"/>
+                  </a:lnTo>
+                  <a:lnTo>
+                    <a:pt x="10063" y="1197"/>
+                  </a:lnTo>
+                  <a:lnTo>
+                    <a:pt x="9989" y="1319"/>
+                  </a:lnTo>
+                  <a:lnTo>
+                    <a:pt x="9281" y="2003"/>
+                  </a:lnTo>
+                  <a:lnTo>
+                    <a:pt x="9232" y="2076"/>
+                  </a:lnTo>
+                  <a:lnTo>
+                    <a:pt x="9183" y="2174"/>
+                  </a:lnTo>
+                  <a:lnTo>
+                    <a:pt x="9159" y="2247"/>
+                  </a:lnTo>
+                  <a:lnTo>
+                    <a:pt x="9159" y="2345"/>
+                  </a:lnTo>
+                  <a:lnTo>
+                    <a:pt x="9159" y="6497"/>
+                  </a:lnTo>
+                  <a:lnTo>
+                    <a:pt x="9183" y="6643"/>
+                  </a:lnTo>
+                  <a:lnTo>
+                    <a:pt x="9232" y="6790"/>
+                  </a:lnTo>
+                  <a:lnTo>
+                    <a:pt x="10575" y="8671"/>
+                  </a:lnTo>
+                  <a:lnTo>
+                    <a:pt x="3932" y="8671"/>
+                  </a:lnTo>
+                  <a:lnTo>
+                    <a:pt x="5276" y="6790"/>
+                  </a:lnTo>
+                  <a:lnTo>
+                    <a:pt x="5324" y="6643"/>
+                  </a:lnTo>
+                  <a:lnTo>
+                    <a:pt x="5349" y="6497"/>
+                  </a:lnTo>
+                  <a:lnTo>
+                    <a:pt x="5349" y="2345"/>
+                  </a:lnTo>
+                  <a:lnTo>
+                    <a:pt x="5349" y="2247"/>
+                  </a:lnTo>
+                  <a:lnTo>
+                    <a:pt x="5324" y="2174"/>
+                  </a:lnTo>
+                  <a:lnTo>
+                    <a:pt x="5276" y="2076"/>
+                  </a:lnTo>
+                  <a:lnTo>
+                    <a:pt x="5227" y="2003"/>
+                  </a:lnTo>
+                  <a:lnTo>
+                    <a:pt x="4519" y="1319"/>
+                  </a:lnTo>
+                  <a:lnTo>
+                    <a:pt x="4445" y="1197"/>
+                  </a:lnTo>
+                  <a:lnTo>
+                    <a:pt x="4396" y="1075"/>
+                  </a:lnTo>
+                  <a:lnTo>
+                    <a:pt x="4396" y="928"/>
+                  </a:lnTo>
+                  <a:lnTo>
+                    <a:pt x="4421" y="782"/>
+                  </a:lnTo>
+                  <a:lnTo>
+                    <a:pt x="4494" y="660"/>
+                  </a:lnTo>
+                  <a:lnTo>
+                    <a:pt x="4592" y="562"/>
+                  </a:lnTo>
+                  <a:lnTo>
+                    <a:pt x="4738" y="513"/>
+                  </a:lnTo>
+                  <a:lnTo>
+                    <a:pt x="4860" y="489"/>
+                  </a:lnTo>
+                  <a:close/>
+                  <a:moveTo>
+                    <a:pt x="6717" y="9574"/>
+                  </a:moveTo>
+                  <a:lnTo>
+                    <a:pt x="6912" y="9647"/>
+                  </a:lnTo>
+                  <a:lnTo>
+                    <a:pt x="7083" y="9745"/>
+                  </a:lnTo>
+                  <a:lnTo>
+                    <a:pt x="7254" y="9892"/>
+                  </a:lnTo>
+                  <a:lnTo>
+                    <a:pt x="7376" y="10038"/>
+                  </a:lnTo>
+                  <a:lnTo>
+                    <a:pt x="7474" y="10234"/>
+                  </a:lnTo>
+                  <a:lnTo>
+                    <a:pt x="7547" y="10429"/>
+                  </a:lnTo>
+                  <a:lnTo>
+                    <a:pt x="7571" y="10649"/>
+                  </a:lnTo>
+                  <a:lnTo>
+                    <a:pt x="7547" y="10869"/>
+                  </a:lnTo>
+                  <a:lnTo>
+                    <a:pt x="7474" y="11064"/>
+                  </a:lnTo>
+                  <a:lnTo>
+                    <a:pt x="7376" y="11259"/>
+                  </a:lnTo>
+                  <a:lnTo>
+                    <a:pt x="7254" y="11406"/>
+                  </a:lnTo>
+                  <a:lnTo>
+                    <a:pt x="7083" y="11552"/>
+                  </a:lnTo>
+                  <a:lnTo>
+                    <a:pt x="6912" y="11650"/>
+                  </a:lnTo>
+                  <a:lnTo>
+                    <a:pt x="6717" y="11699"/>
+                  </a:lnTo>
+                  <a:lnTo>
+                    <a:pt x="6497" y="11723"/>
+                  </a:lnTo>
+                  <a:lnTo>
+                    <a:pt x="6277" y="11699"/>
+                  </a:lnTo>
+                  <a:lnTo>
+                    <a:pt x="6057" y="11650"/>
+                  </a:lnTo>
+                  <a:lnTo>
+                    <a:pt x="5886" y="11552"/>
+                  </a:lnTo>
+                  <a:lnTo>
+                    <a:pt x="5715" y="11406"/>
+                  </a:lnTo>
+                  <a:lnTo>
+                    <a:pt x="5593" y="11259"/>
+                  </a:lnTo>
+                  <a:lnTo>
+                    <a:pt x="5495" y="11064"/>
+                  </a:lnTo>
+                  <a:lnTo>
+                    <a:pt x="5422" y="10869"/>
+                  </a:lnTo>
+                  <a:lnTo>
+                    <a:pt x="5398" y="10649"/>
+                  </a:lnTo>
+                  <a:lnTo>
+                    <a:pt x="5422" y="10429"/>
+                  </a:lnTo>
+                  <a:lnTo>
+                    <a:pt x="5495" y="10234"/>
+                  </a:lnTo>
+                  <a:lnTo>
+                    <a:pt x="5593" y="10038"/>
+                  </a:lnTo>
+                  <a:lnTo>
+                    <a:pt x="5715" y="9892"/>
+                  </a:lnTo>
+                  <a:lnTo>
+                    <a:pt x="5886" y="9745"/>
+                  </a:lnTo>
+                  <a:lnTo>
+                    <a:pt x="6057" y="9647"/>
+                  </a:lnTo>
+                  <a:lnTo>
+                    <a:pt x="6277" y="9574"/>
+                  </a:lnTo>
+                  <a:close/>
+                  <a:moveTo>
+                    <a:pt x="8475" y="11894"/>
+                  </a:moveTo>
+                  <a:lnTo>
+                    <a:pt x="8597" y="11919"/>
+                  </a:lnTo>
+                  <a:lnTo>
+                    <a:pt x="8695" y="11943"/>
+                  </a:lnTo>
+                  <a:lnTo>
+                    <a:pt x="8817" y="11992"/>
+                  </a:lnTo>
+                  <a:lnTo>
+                    <a:pt x="8915" y="12065"/>
+                  </a:lnTo>
+                  <a:lnTo>
+                    <a:pt x="8988" y="12163"/>
+                  </a:lnTo>
+                  <a:lnTo>
+                    <a:pt x="9037" y="12285"/>
+                  </a:lnTo>
+                  <a:lnTo>
+                    <a:pt x="9086" y="12383"/>
+                  </a:lnTo>
+                  <a:lnTo>
+                    <a:pt x="9086" y="12529"/>
+                  </a:lnTo>
+                  <a:lnTo>
+                    <a:pt x="9086" y="12652"/>
+                  </a:lnTo>
+                  <a:lnTo>
+                    <a:pt x="9037" y="12749"/>
+                  </a:lnTo>
+                  <a:lnTo>
+                    <a:pt x="8988" y="12871"/>
+                  </a:lnTo>
+                  <a:lnTo>
+                    <a:pt x="8915" y="12969"/>
+                  </a:lnTo>
+                  <a:lnTo>
+                    <a:pt x="8817" y="13042"/>
+                  </a:lnTo>
+                  <a:lnTo>
+                    <a:pt x="8695" y="13091"/>
+                  </a:lnTo>
+                  <a:lnTo>
+                    <a:pt x="8597" y="13140"/>
+                  </a:lnTo>
+                  <a:lnTo>
+                    <a:pt x="8329" y="13140"/>
+                  </a:lnTo>
+                  <a:lnTo>
+                    <a:pt x="8231" y="13091"/>
+                  </a:lnTo>
+                  <a:lnTo>
+                    <a:pt x="8109" y="13042"/>
+                  </a:lnTo>
+                  <a:lnTo>
+                    <a:pt x="8011" y="12969"/>
+                  </a:lnTo>
+                  <a:lnTo>
+                    <a:pt x="7938" y="12871"/>
+                  </a:lnTo>
+                  <a:lnTo>
+                    <a:pt x="7889" y="12749"/>
+                  </a:lnTo>
+                  <a:lnTo>
+                    <a:pt x="7864" y="12652"/>
+                  </a:lnTo>
+                  <a:lnTo>
+                    <a:pt x="7840" y="12529"/>
+                  </a:lnTo>
+                  <a:lnTo>
+                    <a:pt x="7864" y="12383"/>
+                  </a:lnTo>
+                  <a:lnTo>
+                    <a:pt x="7889" y="12285"/>
+                  </a:lnTo>
+                  <a:lnTo>
+                    <a:pt x="7938" y="12163"/>
+                  </a:lnTo>
+                  <a:lnTo>
+                    <a:pt x="8011" y="12065"/>
+                  </a:lnTo>
+                  <a:lnTo>
+                    <a:pt x="8109" y="11992"/>
+                  </a:lnTo>
+                  <a:lnTo>
+                    <a:pt x="8231" y="11943"/>
+                  </a:lnTo>
+                  <a:lnTo>
+                    <a:pt x="8329" y="11919"/>
+                  </a:lnTo>
+                  <a:lnTo>
+                    <a:pt x="8475" y="11894"/>
+                  </a:lnTo>
+                  <a:close/>
+                  <a:moveTo>
+                    <a:pt x="6741" y="13360"/>
+                  </a:moveTo>
+                  <a:lnTo>
+                    <a:pt x="6814" y="13384"/>
+                  </a:lnTo>
+                  <a:lnTo>
+                    <a:pt x="6912" y="13433"/>
+                  </a:lnTo>
+                  <a:lnTo>
+                    <a:pt x="6985" y="13482"/>
+                  </a:lnTo>
+                  <a:lnTo>
+                    <a:pt x="7034" y="13555"/>
+                  </a:lnTo>
+                  <a:lnTo>
+                    <a:pt x="7083" y="13653"/>
+                  </a:lnTo>
+                  <a:lnTo>
+                    <a:pt x="7107" y="13726"/>
+                  </a:lnTo>
+                  <a:lnTo>
+                    <a:pt x="7107" y="13824"/>
+                  </a:lnTo>
+                  <a:lnTo>
+                    <a:pt x="7107" y="13922"/>
+                  </a:lnTo>
+                  <a:lnTo>
+                    <a:pt x="7083" y="14019"/>
+                  </a:lnTo>
+                  <a:lnTo>
+                    <a:pt x="7034" y="14117"/>
+                  </a:lnTo>
+                  <a:lnTo>
+                    <a:pt x="6985" y="14166"/>
+                  </a:lnTo>
+                  <a:lnTo>
+                    <a:pt x="6912" y="14239"/>
+                  </a:lnTo>
+                  <a:lnTo>
+                    <a:pt x="6814" y="14288"/>
+                  </a:lnTo>
+                  <a:lnTo>
+                    <a:pt x="6741" y="14312"/>
+                  </a:lnTo>
+                  <a:lnTo>
+                    <a:pt x="6546" y="14312"/>
+                  </a:lnTo>
+                  <a:lnTo>
+                    <a:pt x="6448" y="14288"/>
+                  </a:lnTo>
+                  <a:lnTo>
+                    <a:pt x="6375" y="14239"/>
+                  </a:lnTo>
+                  <a:lnTo>
+                    <a:pt x="6301" y="14166"/>
+                  </a:lnTo>
+                  <a:lnTo>
+                    <a:pt x="6228" y="14117"/>
+                  </a:lnTo>
+                  <a:lnTo>
+                    <a:pt x="6179" y="14019"/>
+                  </a:lnTo>
+                  <a:lnTo>
+                    <a:pt x="6155" y="13922"/>
+                  </a:lnTo>
+                  <a:lnTo>
+                    <a:pt x="6155" y="13824"/>
+                  </a:lnTo>
+                  <a:lnTo>
+                    <a:pt x="6155" y="13726"/>
+                  </a:lnTo>
+                  <a:lnTo>
+                    <a:pt x="6179" y="13653"/>
+                  </a:lnTo>
+                  <a:lnTo>
+                    <a:pt x="6228" y="13555"/>
+                  </a:lnTo>
+                  <a:lnTo>
+                    <a:pt x="6301" y="13482"/>
+                  </a:lnTo>
+                  <a:lnTo>
+                    <a:pt x="6375" y="13433"/>
+                  </a:lnTo>
+                  <a:lnTo>
+                    <a:pt x="6448" y="13384"/>
+                  </a:lnTo>
+                  <a:lnTo>
+                    <a:pt x="6546" y="13360"/>
+                  </a:lnTo>
+                  <a:close/>
+                  <a:moveTo>
+                    <a:pt x="4860" y="0"/>
+                  </a:moveTo>
+                  <a:lnTo>
+                    <a:pt x="4714" y="25"/>
+                  </a:lnTo>
+                  <a:lnTo>
+                    <a:pt x="4592" y="49"/>
+                  </a:lnTo>
+                  <a:lnTo>
+                    <a:pt x="4445" y="98"/>
+                  </a:lnTo>
+                  <a:lnTo>
+                    <a:pt x="4323" y="171"/>
+                  </a:lnTo>
+                  <a:lnTo>
+                    <a:pt x="4225" y="245"/>
+                  </a:lnTo>
+                  <a:lnTo>
+                    <a:pt x="4128" y="367"/>
+                  </a:lnTo>
+                  <a:lnTo>
+                    <a:pt x="4030" y="464"/>
+                  </a:lnTo>
+                  <a:lnTo>
+                    <a:pt x="3981" y="611"/>
+                  </a:lnTo>
+                  <a:lnTo>
+                    <a:pt x="3932" y="733"/>
+                  </a:lnTo>
+                  <a:lnTo>
+                    <a:pt x="3908" y="880"/>
+                  </a:lnTo>
+                  <a:lnTo>
+                    <a:pt x="3908" y="1026"/>
+                  </a:lnTo>
+                  <a:lnTo>
+                    <a:pt x="3908" y="1173"/>
+                  </a:lnTo>
+                  <a:lnTo>
+                    <a:pt x="3957" y="1295"/>
+                  </a:lnTo>
+                  <a:lnTo>
+                    <a:pt x="4006" y="1441"/>
+                  </a:lnTo>
+                  <a:lnTo>
+                    <a:pt x="4079" y="1563"/>
+                  </a:lnTo>
+                  <a:lnTo>
+                    <a:pt x="4177" y="1661"/>
+                  </a:lnTo>
+                  <a:lnTo>
+                    <a:pt x="4860" y="2345"/>
+                  </a:lnTo>
+                  <a:lnTo>
+                    <a:pt x="4860" y="6497"/>
+                  </a:lnTo>
+                  <a:lnTo>
+                    <a:pt x="196" y="13067"/>
+                  </a:lnTo>
+                  <a:lnTo>
+                    <a:pt x="122" y="13189"/>
+                  </a:lnTo>
+                  <a:lnTo>
+                    <a:pt x="49" y="13311"/>
+                  </a:lnTo>
+                  <a:lnTo>
+                    <a:pt x="25" y="13433"/>
+                  </a:lnTo>
+                  <a:lnTo>
+                    <a:pt x="0" y="13555"/>
+                  </a:lnTo>
+                  <a:lnTo>
+                    <a:pt x="0" y="13677"/>
+                  </a:lnTo>
+                  <a:lnTo>
+                    <a:pt x="25" y="13824"/>
+                  </a:lnTo>
+                  <a:lnTo>
+                    <a:pt x="49" y="13946"/>
+                  </a:lnTo>
+                  <a:lnTo>
+                    <a:pt x="98" y="14068"/>
+                  </a:lnTo>
+                  <a:lnTo>
+                    <a:pt x="586" y="15045"/>
+                  </a:lnTo>
+                  <a:lnTo>
+                    <a:pt x="660" y="15167"/>
+                  </a:lnTo>
+                  <a:lnTo>
+                    <a:pt x="757" y="15265"/>
+                  </a:lnTo>
+                  <a:lnTo>
+                    <a:pt x="831" y="15362"/>
+                  </a:lnTo>
+                  <a:lnTo>
+                    <a:pt x="953" y="15436"/>
+                  </a:lnTo>
+                  <a:lnTo>
+                    <a:pt x="1075" y="15485"/>
+                  </a:lnTo>
+                  <a:lnTo>
+                    <a:pt x="1197" y="15533"/>
+                  </a:lnTo>
+                  <a:lnTo>
+                    <a:pt x="1319" y="15582"/>
+                  </a:lnTo>
+                  <a:lnTo>
+                    <a:pt x="13189" y="15582"/>
+                  </a:lnTo>
+                  <a:lnTo>
+                    <a:pt x="13311" y="15533"/>
+                  </a:lnTo>
+                  <a:lnTo>
+                    <a:pt x="13433" y="15485"/>
+                  </a:lnTo>
+                  <a:lnTo>
+                    <a:pt x="13555" y="15436"/>
+                  </a:lnTo>
+                  <a:lnTo>
+                    <a:pt x="13677" y="15362"/>
+                  </a:lnTo>
+                  <a:lnTo>
+                    <a:pt x="13750" y="15265"/>
+                  </a:lnTo>
+                  <a:lnTo>
+                    <a:pt x="13848" y="15167"/>
+                  </a:lnTo>
+                  <a:lnTo>
+                    <a:pt x="13921" y="15045"/>
+                  </a:lnTo>
+                  <a:lnTo>
+                    <a:pt x="14410" y="14068"/>
+                  </a:lnTo>
+                  <a:lnTo>
+                    <a:pt x="14459" y="13946"/>
+                  </a:lnTo>
+                  <a:lnTo>
+                    <a:pt x="14483" y="13824"/>
+                  </a:lnTo>
+                  <a:lnTo>
+                    <a:pt x="14508" y="13677"/>
+                  </a:lnTo>
+                  <a:lnTo>
+                    <a:pt x="14508" y="13555"/>
+                  </a:lnTo>
+                  <a:lnTo>
+                    <a:pt x="14483" y="13433"/>
+                  </a:lnTo>
+                  <a:lnTo>
+                    <a:pt x="14459" y="13311"/>
+                  </a:lnTo>
+                  <a:lnTo>
+                    <a:pt x="14385" y="13189"/>
+                  </a:lnTo>
+                  <a:lnTo>
+                    <a:pt x="14312" y="13067"/>
+                  </a:lnTo>
+                  <a:lnTo>
+                    <a:pt x="9647" y="6497"/>
+                  </a:lnTo>
+                  <a:lnTo>
+                    <a:pt x="9647" y="2345"/>
+                  </a:lnTo>
+                  <a:lnTo>
+                    <a:pt x="10331" y="1661"/>
+                  </a:lnTo>
+                  <a:lnTo>
+                    <a:pt x="10429" y="1563"/>
+                  </a:lnTo>
+                  <a:lnTo>
+                    <a:pt x="10502" y="1441"/>
+                  </a:lnTo>
+                  <a:lnTo>
+                    <a:pt x="10551" y="1295"/>
+                  </a:lnTo>
+                  <a:lnTo>
+                    <a:pt x="10600" y="1173"/>
+                  </a:lnTo>
+                  <a:lnTo>
+                    <a:pt x="10600" y="1026"/>
+                  </a:lnTo>
+                  <a:lnTo>
+                    <a:pt x="10600" y="880"/>
+                  </a:lnTo>
+                  <a:lnTo>
+                    <a:pt x="10575" y="733"/>
+                  </a:lnTo>
+                  <a:lnTo>
+                    <a:pt x="10527" y="611"/>
+                  </a:lnTo>
+                  <a:lnTo>
+                    <a:pt x="10478" y="464"/>
+                  </a:lnTo>
+                  <a:lnTo>
+                    <a:pt x="10380" y="367"/>
+                  </a:lnTo>
+                  <a:lnTo>
+                    <a:pt x="10282" y="245"/>
+                  </a:lnTo>
+                  <a:lnTo>
+                    <a:pt x="10185" y="171"/>
+                  </a:lnTo>
+                  <a:lnTo>
+                    <a:pt x="10063" y="98"/>
+                  </a:lnTo>
+                  <a:lnTo>
+                    <a:pt x="9916" y="49"/>
+                  </a:lnTo>
+                  <a:lnTo>
+                    <a:pt x="9794" y="25"/>
+                  </a:lnTo>
+                  <a:lnTo>
+                    <a:pt x="9647" y="0"/>
+                  </a:lnTo>
+                  <a:close/>
+                </a:path>
+              </a:pathLst>
+            </a:custGeom>
+            <a:solidFill>
+              <a:schemeClr val="lt1"/>
+            </a:solidFill>
+            <a:ln>
+              <a:noFill/>
+            </a:ln>
+          </p:spPr>
+          <p:txBody>
+            <a:bodyPr spcFirstLastPara="1" wrap="square" lIns="91425" tIns="91425" rIns="91425" bIns="91425" anchor="ctr" anchorCtr="0">
+              <a:noAutofit/>
+            </a:bodyPr>
+            <a:lstStyle/>
+            <a:p>
+              <a:pPr marL="0" lvl="0" indent="0" algn="l" rtl="0">
+                <a:spcBef>
+                  <a:spcPts val="0"/>
+                </a:spcBef>
+                <a:spcAft>
+                  <a:spcPts val="0"/>
+                </a:spcAft>
+                <a:buNone/>
+              </a:pPr>
+              <a:endParaRPr>
+                <a:solidFill>
+                  <a:schemeClr val="dk1"/>
+                </a:solidFill>
+              </a:endParaRPr>
+            </a:p>
+          </p:txBody>
+        </p:sp>
+        <p:sp>
+          <p:nvSpPr>
+            <p:cNvPr id="517" name="Google Shape;517;p35"/>
+            <p:cNvSpPr/>
+            <p:nvPr/>
+          </p:nvSpPr>
+          <p:spPr>
+            <a:xfrm>
+              <a:off x="794950" y="2500900"/>
+              <a:ext cx="24450" cy="23850"/>
+            </a:xfrm>
+            <a:custGeom>
+              <a:avLst/>
+              <a:gdLst/>
+              <a:ahLst/>
+              <a:cxnLst/>
+              <a:rect l="l" t="t" r="r" b="b"/>
+              <a:pathLst>
+                <a:path w="978" h="954" extrusionOk="0">
+                  <a:moveTo>
+                    <a:pt x="391" y="1"/>
+                  </a:moveTo>
+                  <a:lnTo>
+                    <a:pt x="294" y="25"/>
+                  </a:lnTo>
+                  <a:lnTo>
+                    <a:pt x="220" y="74"/>
+                  </a:lnTo>
+                  <a:lnTo>
+                    <a:pt x="147" y="123"/>
+                  </a:lnTo>
+                  <a:lnTo>
+                    <a:pt x="98" y="196"/>
+                  </a:lnTo>
+                  <a:lnTo>
+                    <a:pt x="49" y="294"/>
+                  </a:lnTo>
+                  <a:lnTo>
+                    <a:pt x="25" y="367"/>
+                  </a:lnTo>
+                  <a:lnTo>
+                    <a:pt x="1" y="465"/>
+                  </a:lnTo>
+                  <a:lnTo>
+                    <a:pt x="25" y="563"/>
+                  </a:lnTo>
+                  <a:lnTo>
+                    <a:pt x="49" y="660"/>
+                  </a:lnTo>
+                  <a:lnTo>
+                    <a:pt x="98" y="734"/>
+                  </a:lnTo>
+                  <a:lnTo>
+                    <a:pt x="147" y="807"/>
+                  </a:lnTo>
+                  <a:lnTo>
+                    <a:pt x="220" y="880"/>
+                  </a:lnTo>
+                  <a:lnTo>
+                    <a:pt x="294" y="905"/>
+                  </a:lnTo>
+                  <a:lnTo>
+                    <a:pt x="391" y="953"/>
+                  </a:lnTo>
+                  <a:lnTo>
+                    <a:pt x="587" y="953"/>
+                  </a:lnTo>
+                  <a:lnTo>
+                    <a:pt x="684" y="905"/>
+                  </a:lnTo>
+                  <a:lnTo>
+                    <a:pt x="758" y="880"/>
+                  </a:lnTo>
+                  <a:lnTo>
+                    <a:pt x="831" y="807"/>
+                  </a:lnTo>
+                  <a:lnTo>
+                    <a:pt x="880" y="734"/>
+                  </a:lnTo>
+                  <a:lnTo>
+                    <a:pt x="929" y="660"/>
+                  </a:lnTo>
+                  <a:lnTo>
+                    <a:pt x="953" y="563"/>
+                  </a:lnTo>
+                  <a:lnTo>
+                    <a:pt x="978" y="465"/>
+                  </a:lnTo>
+                  <a:lnTo>
+                    <a:pt x="953" y="367"/>
+                  </a:lnTo>
+                  <a:lnTo>
+                    <a:pt x="929" y="294"/>
+                  </a:lnTo>
+                  <a:lnTo>
+                    <a:pt x="880" y="196"/>
+                  </a:lnTo>
+                  <a:lnTo>
+                    <a:pt x="831" y="123"/>
+                  </a:lnTo>
+                  <a:lnTo>
+                    <a:pt x="758" y="74"/>
+                  </a:lnTo>
+                  <a:lnTo>
+                    <a:pt x="684" y="25"/>
+                  </a:lnTo>
+                  <a:lnTo>
+                    <a:pt x="587" y="1"/>
+                  </a:lnTo>
+                  <a:close/>
+                </a:path>
+              </a:pathLst>
+            </a:custGeom>
+            <a:solidFill>
+              <a:schemeClr val="lt1"/>
+            </a:solidFill>
+            <a:ln>
+              <a:noFill/>
+            </a:ln>
+          </p:spPr>
+          <p:txBody>
+            <a:bodyPr spcFirstLastPara="1" wrap="square" lIns="91425" tIns="91425" rIns="91425" bIns="91425" anchor="ctr" anchorCtr="0">
+              <a:noAutofit/>
+            </a:bodyPr>
+            <a:lstStyle/>
+            <a:p>
+              <a:pPr marL="0" lvl="0" indent="0" algn="l" rtl="0">
+                <a:spcBef>
+                  <a:spcPts val="0"/>
+                </a:spcBef>
+                <a:spcAft>
+                  <a:spcPts val="0"/>
+                </a:spcAft>
+                <a:buNone/>
+              </a:pPr>
+              <a:endParaRPr>
+                <a:solidFill>
+                  <a:schemeClr val="dk1"/>
+                </a:solidFill>
+              </a:endParaRPr>
+            </a:p>
+          </p:txBody>
+        </p:sp>
+        <p:sp>
+          <p:nvSpPr>
+            <p:cNvPr id="518" name="Google Shape;518;p35"/>
+            <p:cNvSpPr/>
+            <p:nvPr/>
+          </p:nvSpPr>
+          <p:spPr>
+            <a:xfrm>
+              <a:off x="754650" y="2381250"/>
+              <a:ext cx="75750" cy="14050"/>
+            </a:xfrm>
+            <a:custGeom>
+              <a:avLst/>
+              <a:gdLst/>
+              <a:ahLst/>
+              <a:cxnLst/>
+              <a:rect l="l" t="t" r="r" b="b"/>
+              <a:pathLst>
+                <a:path w="3030" h="562" extrusionOk="0">
+                  <a:moveTo>
+                    <a:pt x="294" y="0"/>
+                  </a:moveTo>
+                  <a:lnTo>
+                    <a:pt x="172" y="24"/>
+                  </a:lnTo>
+                  <a:lnTo>
+                    <a:pt x="74" y="73"/>
+                  </a:lnTo>
+                  <a:lnTo>
+                    <a:pt x="25" y="171"/>
+                  </a:lnTo>
+                  <a:lnTo>
+                    <a:pt x="1" y="269"/>
+                  </a:lnTo>
+                  <a:lnTo>
+                    <a:pt x="25" y="391"/>
+                  </a:lnTo>
+                  <a:lnTo>
+                    <a:pt x="74" y="488"/>
+                  </a:lnTo>
+                  <a:lnTo>
+                    <a:pt x="172" y="537"/>
+                  </a:lnTo>
+                  <a:lnTo>
+                    <a:pt x="294" y="562"/>
+                  </a:lnTo>
+                  <a:lnTo>
+                    <a:pt x="2736" y="562"/>
+                  </a:lnTo>
+                  <a:lnTo>
+                    <a:pt x="2858" y="537"/>
+                  </a:lnTo>
+                  <a:lnTo>
+                    <a:pt x="2956" y="488"/>
+                  </a:lnTo>
+                  <a:lnTo>
+                    <a:pt x="3005" y="391"/>
+                  </a:lnTo>
+                  <a:lnTo>
+                    <a:pt x="3029" y="269"/>
+                  </a:lnTo>
+                  <a:lnTo>
+                    <a:pt x="3005" y="171"/>
+                  </a:lnTo>
+                  <a:lnTo>
+                    <a:pt x="2956" y="73"/>
+                  </a:lnTo>
+                  <a:lnTo>
+                    <a:pt x="2858" y="24"/>
+                  </a:lnTo>
+                  <a:lnTo>
+                    <a:pt x="2736" y="0"/>
+                  </a:lnTo>
+                  <a:close/>
+                </a:path>
+              </a:pathLst>
+            </a:custGeom>
+            <a:solidFill>
+              <a:schemeClr val="lt1"/>
+            </a:solidFill>
+            <a:ln>
+              <a:noFill/>
+            </a:ln>
+          </p:spPr>
+          <p:txBody>
+            <a:bodyPr spcFirstLastPara="1" wrap="square" lIns="91425" tIns="91425" rIns="91425" bIns="91425" anchor="ctr" anchorCtr="0">
+              <a:noAutofit/>
+            </a:bodyPr>
+            <a:lstStyle/>
+            <a:p>
+              <a:pPr marL="0" lvl="0" indent="0" algn="l" rtl="0">
+                <a:spcBef>
+                  <a:spcPts val="0"/>
+                </a:spcBef>
+                <a:spcAft>
+                  <a:spcPts val="0"/>
+                </a:spcAft>
+                <a:buNone/>
+              </a:pPr>
+              <a:endParaRPr>
+                <a:solidFill>
+                  <a:schemeClr val="dk1"/>
+                </a:solidFill>
+              </a:endParaRPr>
+            </a:p>
+          </p:txBody>
+        </p:sp>
+        <p:sp>
+          <p:nvSpPr>
+            <p:cNvPr id="519" name="Google Shape;519;p35"/>
+            <p:cNvSpPr/>
+            <p:nvPr/>
+          </p:nvSpPr>
+          <p:spPr>
+            <a:xfrm>
+              <a:off x="765025" y="2453900"/>
+              <a:ext cx="31175" cy="31150"/>
+            </a:xfrm>
+            <a:custGeom>
+              <a:avLst/>
+              <a:gdLst/>
+              <a:ahLst/>
+              <a:cxnLst/>
+              <a:rect l="l" t="t" r="r" b="b"/>
+              <a:pathLst>
+                <a:path w="1247" h="1246" extrusionOk="0">
+                  <a:moveTo>
+                    <a:pt x="611" y="0"/>
+                  </a:moveTo>
+                  <a:lnTo>
+                    <a:pt x="489" y="25"/>
+                  </a:lnTo>
+                  <a:lnTo>
+                    <a:pt x="367" y="49"/>
+                  </a:lnTo>
+                  <a:lnTo>
+                    <a:pt x="270" y="122"/>
+                  </a:lnTo>
+                  <a:lnTo>
+                    <a:pt x="172" y="196"/>
+                  </a:lnTo>
+                  <a:lnTo>
+                    <a:pt x="99" y="269"/>
+                  </a:lnTo>
+                  <a:lnTo>
+                    <a:pt x="50" y="391"/>
+                  </a:lnTo>
+                  <a:lnTo>
+                    <a:pt x="1" y="513"/>
+                  </a:lnTo>
+                  <a:lnTo>
+                    <a:pt x="1" y="635"/>
+                  </a:lnTo>
+                  <a:lnTo>
+                    <a:pt x="1" y="757"/>
+                  </a:lnTo>
+                  <a:lnTo>
+                    <a:pt x="50" y="880"/>
+                  </a:lnTo>
+                  <a:lnTo>
+                    <a:pt x="99" y="977"/>
+                  </a:lnTo>
+                  <a:lnTo>
+                    <a:pt x="172" y="1075"/>
+                  </a:lnTo>
+                  <a:lnTo>
+                    <a:pt x="270" y="1148"/>
+                  </a:lnTo>
+                  <a:lnTo>
+                    <a:pt x="367" y="1197"/>
+                  </a:lnTo>
+                  <a:lnTo>
+                    <a:pt x="489" y="1246"/>
+                  </a:lnTo>
+                  <a:lnTo>
+                    <a:pt x="734" y="1246"/>
+                  </a:lnTo>
+                  <a:lnTo>
+                    <a:pt x="856" y="1197"/>
+                  </a:lnTo>
+                  <a:lnTo>
+                    <a:pt x="978" y="1148"/>
+                  </a:lnTo>
+                  <a:lnTo>
+                    <a:pt x="1051" y="1075"/>
+                  </a:lnTo>
+                  <a:lnTo>
+                    <a:pt x="1149" y="977"/>
+                  </a:lnTo>
+                  <a:lnTo>
+                    <a:pt x="1198" y="880"/>
+                  </a:lnTo>
+                  <a:lnTo>
+                    <a:pt x="1222" y="757"/>
+                  </a:lnTo>
+                  <a:lnTo>
+                    <a:pt x="1246" y="635"/>
+                  </a:lnTo>
+                  <a:lnTo>
+                    <a:pt x="1222" y="513"/>
+                  </a:lnTo>
+                  <a:lnTo>
+                    <a:pt x="1198" y="391"/>
+                  </a:lnTo>
+                  <a:lnTo>
+                    <a:pt x="1149" y="269"/>
+                  </a:lnTo>
+                  <a:lnTo>
+                    <a:pt x="1051" y="196"/>
+                  </a:lnTo>
+                  <a:lnTo>
+                    <a:pt x="978" y="122"/>
+                  </a:lnTo>
+                  <a:lnTo>
+                    <a:pt x="856" y="49"/>
+                  </a:lnTo>
+                  <a:lnTo>
+                    <a:pt x="734" y="25"/>
+                  </a:lnTo>
+                  <a:lnTo>
+                    <a:pt x="611" y="0"/>
+                  </a:lnTo>
+                  <a:close/>
+                </a:path>
+              </a:pathLst>
+            </a:custGeom>
+            <a:solidFill>
+              <a:schemeClr val="lt1"/>
+            </a:solidFill>
+            <a:ln>
+              <a:noFill/>
+            </a:ln>
+          </p:spPr>
+          <p:txBody>
+            <a:bodyPr spcFirstLastPara="1" wrap="square" lIns="91425" tIns="91425" rIns="91425" bIns="91425" anchor="ctr" anchorCtr="0">
+              <a:noAutofit/>
+            </a:bodyPr>
+            <a:lstStyle/>
+            <a:p>
+              <a:pPr marL="0" lvl="0" indent="0" algn="l" rtl="0">
+                <a:spcBef>
+                  <a:spcPts val="0"/>
+                </a:spcBef>
+                <a:spcAft>
+                  <a:spcPts val="0"/>
+                </a:spcAft>
+                <a:buNone/>
+              </a:pPr>
+              <a:endParaRPr>
+                <a:solidFill>
+                  <a:schemeClr val="dk1"/>
+                </a:solidFill>
+              </a:endParaRPr>
+            </a:p>
+          </p:txBody>
+        </p:sp>
+      </p:grpSp>
+    </p:spTree>
+  </p:cSld>
+  <p:clrMapOvr>
+    <a:masterClrMapping/>
+  </p:clrMapOvr>
+</p:sld>
+</file>
+
+<file path=ppt/slides/slide23.xml><?xml version="1.0" encoding="utf-8"?>
+<p:sld xmlns:a="http://schemas.openxmlformats.org/drawingml/2006/main" xmlns:r="http://schemas.openxmlformats.org/officeDocument/2006/relationships" xmlns:p="http://schemas.openxmlformats.org/presentationml/2006/main">
+  <p:cSld>
+    <p:spTree>
+      <p:nvGrpSpPr>
         <p:cNvPr id="1" name="Shape 590"/>
         <p:cNvGrpSpPr/>
         <p:nvPr/>
@@ -41262,7 +42698,7 @@
             </a:pPr>
             <a:fld id="{00000000-1234-1234-1234-123412341234}" type="slidenum">
               <a:rPr lang="en"/>
-              <a:t>22</a:t>
+              <a:t>23</a:t>
             </a:fld>
             <a:endParaRPr/>
           </a:p>

--- a/asyncio.pptx
+++ b/asyncio.pptx
@@ -5,7 +5,7 @@
     <p:sldMasterId id="2147483657" r:id="rId1"/>
   </p:sldMasterIdLst>
   <p:notesMasterIdLst>
-    <p:notesMasterId r:id="rId25"/>
+    <p:notesMasterId r:id="rId30"/>
   </p:notesMasterIdLst>
   <p:sldIdLst>
     <p:sldId id="256" r:id="rId2"/>
@@ -23,14 +23,19 @@
     <p:sldId id="308" r:id="rId14"/>
     <p:sldId id="309" r:id="rId15"/>
     <p:sldId id="310" r:id="rId16"/>
-    <p:sldId id="316" r:id="rId17"/>
-    <p:sldId id="311" r:id="rId18"/>
-    <p:sldId id="314" r:id="rId19"/>
-    <p:sldId id="315" r:id="rId20"/>
-    <p:sldId id="312" r:id="rId21"/>
-    <p:sldId id="313" r:id="rId22"/>
-    <p:sldId id="318" r:id="rId23"/>
-    <p:sldId id="279" r:id="rId24"/>
+    <p:sldId id="319" r:id="rId17"/>
+    <p:sldId id="320" r:id="rId18"/>
+    <p:sldId id="321" r:id="rId19"/>
+    <p:sldId id="323" r:id="rId20"/>
+    <p:sldId id="322" r:id="rId21"/>
+    <p:sldId id="316" r:id="rId22"/>
+    <p:sldId id="311" r:id="rId23"/>
+    <p:sldId id="314" r:id="rId24"/>
+    <p:sldId id="315" r:id="rId25"/>
+    <p:sldId id="312" r:id="rId26"/>
+    <p:sldId id="313" r:id="rId27"/>
+    <p:sldId id="318" r:id="rId28"/>
+    <p:sldId id="279" r:id="rId29"/>
   </p:sldIdLst>
   <p:sldSz cx="9144000" cy="5143500" type="screen16x9"/>
   <p:notesSz cx="6858000" cy="9144000"/>
@@ -38894,6 +38899,1164 @@
           <p:cNvPr id="2" name="Title 1">
             <a:extLst>
               <a:ext uri="{FF2B5EF4-FFF2-40B4-BE49-F238E27FC236}">
+                <a16:creationId xmlns:a16="http://schemas.microsoft.com/office/drawing/2014/main" id="{4147A715-77B1-7003-97CF-7D4E16B414D6}"/>
+              </a:ext>
+            </a:extLst>
+          </p:cNvPr>
+          <p:cNvSpPr>
+            <a:spLocks noGrp="1"/>
+          </p:cNvSpPr>
+          <p:nvPr>
+            <p:ph type="title"/>
+          </p:nvPr>
+        </p:nvSpPr>
+        <p:spPr>
+          <a:xfrm>
+            <a:off x="3086580" y="899171"/>
+            <a:ext cx="4944300" cy="645300"/>
+          </a:xfrm>
+        </p:spPr>
+        <p:txBody>
+          <a:bodyPr/>
+          <a:lstStyle/>
+          <a:p>
+            <a:r>
+              <a:rPr lang="en-IN" sz="4800" b="1" dirty="0"/>
+              <a:t>Futures</a:t>
+            </a:r>
+          </a:p>
+        </p:txBody>
+      </p:sp>
+      <p:sp>
+        <p:nvSpPr>
+          <p:cNvPr id="3" name="Text Placeholder 2">
+            <a:extLst>
+              <a:ext uri="{FF2B5EF4-FFF2-40B4-BE49-F238E27FC236}">
+                <a16:creationId xmlns:a16="http://schemas.microsoft.com/office/drawing/2014/main" id="{CCDA77C2-8A5F-047D-4C4C-77ECC96864CB}"/>
+              </a:ext>
+            </a:extLst>
+          </p:cNvPr>
+          <p:cNvSpPr>
+            <a:spLocks noGrp="1"/>
+          </p:cNvSpPr>
+          <p:nvPr>
+            <p:ph type="body" idx="1"/>
+          </p:nvPr>
+        </p:nvSpPr>
+        <p:spPr>
+          <a:xfrm>
+            <a:off x="754503" y="1544471"/>
+            <a:ext cx="6971821" cy="1659900"/>
+          </a:xfrm>
+        </p:spPr>
+        <p:txBody>
+          <a:bodyPr/>
+          <a:lstStyle/>
+          <a:p>
+            <a:r>
+              <a:rPr lang="en-US" dirty="0"/>
+              <a:t>A Future object is a type of </a:t>
+            </a:r>
+            <a:r>
+              <a:rPr lang="en-US" dirty="0" err="1"/>
+              <a:t>awaitable</a:t>
+            </a:r>
+            <a:r>
+              <a:rPr lang="en-US" dirty="0"/>
+              <a:t>. Unlike a coroutine object when a future is awaited it does not cause a block of code to be executed. Instead a future object can be thought of as representing some process that is ongoing elsewhere and which may or may not yet be finished.</a:t>
+            </a:r>
+          </a:p>
+          <a:p>
+            <a:r>
+              <a:rPr lang="en-US" dirty="0"/>
+              <a:t>If the process the future represents has finished and returned a value then the await statement immediately returns that value.</a:t>
+            </a:r>
+          </a:p>
+          <a:p>
+            <a:r>
+              <a:rPr lang="en-US" dirty="0"/>
+              <a:t>If the process the future represents has finished and raised an exception then the await statement immediately raises that exception.</a:t>
+            </a:r>
+          </a:p>
+          <a:p>
+            <a:r>
+              <a:rPr lang="en-US" dirty="0"/>
+              <a:t>If the process the future represents has not yet finished then the current Task is paused until the process has finished. Once it is finished it behaves as described in the first two bullet points here.</a:t>
+            </a:r>
+          </a:p>
+          <a:p>
+            <a:r>
+              <a:rPr lang="en-US" dirty="0"/>
+              <a:t>Can create by </a:t>
+            </a:r>
+            <a:r>
+              <a:rPr lang="en-US" dirty="0" err="1"/>
+              <a:t>loop.create_future</a:t>
+            </a:r>
+            <a:r>
+              <a:rPr lang="en-US" dirty="0"/>
+              <a:t>() </a:t>
+            </a:r>
+          </a:p>
+          <a:p>
+            <a:endParaRPr lang="en-IN" dirty="0"/>
+          </a:p>
+        </p:txBody>
+      </p:sp>
+      <p:sp>
+        <p:nvSpPr>
+          <p:cNvPr id="4" name="Slide Number Placeholder 3">
+            <a:extLst>
+              <a:ext uri="{FF2B5EF4-FFF2-40B4-BE49-F238E27FC236}">
+                <a16:creationId xmlns:a16="http://schemas.microsoft.com/office/drawing/2014/main" id="{22DFCABA-3658-9196-F2E7-194F1F6B0A5A}"/>
+              </a:ext>
+            </a:extLst>
+          </p:cNvPr>
+          <p:cNvSpPr>
+            <a:spLocks noGrp="1"/>
+          </p:cNvSpPr>
+          <p:nvPr>
+            <p:ph type="sldNum" idx="12"/>
+          </p:nvPr>
+        </p:nvSpPr>
+        <p:spPr/>
+        <p:txBody>
+          <a:bodyPr/>
+          <a:lstStyle/>
+          <a:p>
+            <a:pPr marL="0" lvl="0" indent="0" algn="l" rtl="0">
+              <a:spcBef>
+                <a:spcPts val="0"/>
+              </a:spcBef>
+              <a:spcAft>
+                <a:spcPts val="0"/>
+              </a:spcAft>
+              <a:buNone/>
+            </a:pPr>
+            <a:fld id="{00000000-1234-1234-1234-123412341234}" type="slidenum">
+              <a:rPr lang="en" smtClean="0"/>
+              <a:t>16</a:t>
+            </a:fld>
+            <a:endParaRPr lang="en"/>
+          </a:p>
+        </p:txBody>
+      </p:sp>
+    </p:spTree>
+    <p:extLst>
+      <p:ext uri="{BB962C8B-B14F-4D97-AF65-F5344CB8AC3E}">
+        <p14:creationId xmlns:p14="http://schemas.microsoft.com/office/powerpoint/2010/main" val="189718370"/>
+      </p:ext>
+    </p:extLst>
+  </p:cSld>
+  <p:clrMapOvr>
+    <a:masterClrMapping/>
+  </p:clrMapOvr>
+</p:sld>
+</file>
+
+<file path=ppt/slides/slide17.xml><?xml version="1.0" encoding="utf-8"?>
+<p:sld xmlns:a="http://schemas.openxmlformats.org/drawingml/2006/main" xmlns:r="http://schemas.openxmlformats.org/officeDocument/2006/relationships" xmlns:p="http://schemas.openxmlformats.org/presentationml/2006/main">
+  <p:cSld>
+    <p:spTree>
+      <p:nvGrpSpPr>
+        <p:cNvPr id="1" name=""/>
+        <p:cNvGrpSpPr/>
+        <p:nvPr/>
+      </p:nvGrpSpPr>
+      <p:grpSpPr>
+        <a:xfrm>
+          <a:off x="0" y="0"/>
+          <a:ext cx="0" cy="0"/>
+          <a:chOff x="0" y="0"/>
+          <a:chExt cx="0" cy="0"/>
+        </a:xfrm>
+      </p:grpSpPr>
+      <p:sp>
+        <p:nvSpPr>
+          <p:cNvPr id="2" name="Title 1">
+            <a:extLst>
+              <a:ext uri="{FF2B5EF4-FFF2-40B4-BE49-F238E27FC236}">
+                <a16:creationId xmlns:a16="http://schemas.microsoft.com/office/drawing/2014/main" id="{92E19785-ACE7-C5E6-9D5D-39AC5D7B366E}"/>
+              </a:ext>
+            </a:extLst>
+          </p:cNvPr>
+          <p:cNvSpPr>
+            <a:spLocks noGrp="1"/>
+          </p:cNvSpPr>
+          <p:nvPr>
+            <p:ph type="title"/>
+          </p:nvPr>
+        </p:nvSpPr>
+        <p:spPr>
+          <a:xfrm>
+            <a:off x="2554951" y="905825"/>
+            <a:ext cx="4944300" cy="645300"/>
+          </a:xfrm>
+        </p:spPr>
+        <p:txBody>
+          <a:bodyPr/>
+          <a:lstStyle/>
+          <a:p>
+            <a:r>
+              <a:rPr lang="en-US" b="1" dirty="0"/>
+              <a:t>More about Futures</a:t>
+            </a:r>
+            <a:endParaRPr lang="en-IN" b="1" dirty="0"/>
+          </a:p>
+        </p:txBody>
+      </p:sp>
+      <p:sp>
+        <p:nvSpPr>
+          <p:cNvPr id="3" name="Text Placeholder 2">
+            <a:extLst>
+              <a:ext uri="{FF2B5EF4-FFF2-40B4-BE49-F238E27FC236}">
+                <a16:creationId xmlns:a16="http://schemas.microsoft.com/office/drawing/2014/main" id="{84230F2A-EC04-728E-56C6-23829FC1FB17}"/>
+              </a:ext>
+            </a:extLst>
+          </p:cNvPr>
+          <p:cNvSpPr>
+            <a:spLocks noGrp="1"/>
+          </p:cNvSpPr>
+          <p:nvPr>
+            <p:ph type="body" idx="1"/>
+          </p:nvPr>
+        </p:nvSpPr>
+        <p:spPr>
+          <a:xfrm>
+            <a:off x="761592" y="1874968"/>
+            <a:ext cx="6553608" cy="3089507"/>
+          </a:xfrm>
+        </p:spPr>
+        <p:txBody>
+          <a:bodyPr/>
+          <a:lstStyle/>
+          <a:p>
+            <a:r>
+              <a:rPr lang="en-US" dirty="0"/>
+              <a:t>All Future objects f have the following synchronous interface in addition to being </a:t>
+            </a:r>
+            <a:r>
+              <a:rPr lang="en-US" dirty="0" err="1"/>
+              <a:t>awaitable</a:t>
+            </a:r>
+            <a:r>
+              <a:rPr lang="en-US" dirty="0"/>
+              <a:t>:</a:t>
+            </a:r>
+          </a:p>
+          <a:p>
+            <a:endParaRPr lang="en-US" dirty="0"/>
+          </a:p>
+          <a:p>
+            <a:pPr lvl="1"/>
+            <a:r>
+              <a:rPr lang="en-US" dirty="0" err="1">
+                <a:solidFill>
+                  <a:srgbClr val="FFC000"/>
+                </a:solidFill>
+              </a:rPr>
+              <a:t>f.done</a:t>
+            </a:r>
+            <a:r>
+              <a:rPr lang="en-US" dirty="0">
+                <a:solidFill>
+                  <a:srgbClr val="FFC000"/>
+                </a:solidFill>
+              </a:rPr>
+              <a:t>() </a:t>
+            </a:r>
+            <a:r>
+              <a:rPr lang="en-US" dirty="0"/>
+              <a:t>returns True if the process the future represents has finished.</a:t>
+            </a:r>
+          </a:p>
+          <a:p>
+            <a:pPr lvl="1"/>
+            <a:r>
+              <a:rPr lang="en-US" dirty="0" err="1">
+                <a:solidFill>
+                  <a:srgbClr val="FFC000"/>
+                </a:solidFill>
+              </a:rPr>
+              <a:t>f.exception</a:t>
+            </a:r>
+            <a:r>
+              <a:rPr lang="en-US" dirty="0">
+                <a:solidFill>
+                  <a:srgbClr val="FFC000"/>
+                </a:solidFill>
+              </a:rPr>
+              <a:t>() </a:t>
+            </a:r>
+            <a:r>
+              <a:rPr lang="en-US" dirty="0"/>
+              <a:t>raises an </a:t>
+            </a:r>
+            <a:r>
+              <a:rPr lang="en-US" dirty="0" err="1"/>
+              <a:t>asyncio.InvalidStateError</a:t>
+            </a:r>
+            <a:r>
+              <a:rPr lang="en-US" dirty="0"/>
+              <a:t> exception if the process has not yet finished. If the process has finished it returns the exception it raised, or None if it terminated without raising.</a:t>
+            </a:r>
+          </a:p>
+          <a:p>
+            <a:pPr lvl="1"/>
+            <a:r>
+              <a:rPr lang="en-US" dirty="0" err="1">
+                <a:solidFill>
+                  <a:srgbClr val="FFC000"/>
+                </a:solidFill>
+              </a:rPr>
+              <a:t>f.result</a:t>
+            </a:r>
+            <a:r>
+              <a:rPr lang="en-US" dirty="0">
+                <a:solidFill>
+                  <a:srgbClr val="FFC000"/>
+                </a:solidFill>
+              </a:rPr>
+              <a:t>() </a:t>
+            </a:r>
+            <a:r>
+              <a:rPr lang="en-US" dirty="0"/>
+              <a:t>raises an </a:t>
+            </a:r>
+            <a:r>
+              <a:rPr lang="en-US" dirty="0" err="1"/>
+              <a:t>asyncio.InvalidStateError</a:t>
+            </a:r>
+            <a:r>
+              <a:rPr lang="en-US" dirty="0"/>
+              <a:t> exception if the process has not yet finished. If the process has finished it raises the exception it raised, or returns the value it returned if it finished without raising.</a:t>
+            </a:r>
+            <a:endParaRPr lang="en-IN" dirty="0"/>
+          </a:p>
+        </p:txBody>
+      </p:sp>
+      <p:sp>
+        <p:nvSpPr>
+          <p:cNvPr id="4" name="Slide Number Placeholder 3">
+            <a:extLst>
+              <a:ext uri="{FF2B5EF4-FFF2-40B4-BE49-F238E27FC236}">
+                <a16:creationId xmlns:a16="http://schemas.microsoft.com/office/drawing/2014/main" id="{8D895D93-9B12-7302-1C97-8471BC242B60}"/>
+              </a:ext>
+            </a:extLst>
+          </p:cNvPr>
+          <p:cNvSpPr>
+            <a:spLocks noGrp="1"/>
+          </p:cNvSpPr>
+          <p:nvPr>
+            <p:ph type="sldNum" idx="12"/>
+          </p:nvPr>
+        </p:nvSpPr>
+        <p:spPr/>
+        <p:txBody>
+          <a:bodyPr/>
+          <a:lstStyle/>
+          <a:p>
+            <a:pPr marL="0" lvl="0" indent="0" algn="l" rtl="0">
+              <a:spcBef>
+                <a:spcPts val="0"/>
+              </a:spcBef>
+              <a:spcAft>
+                <a:spcPts val="0"/>
+              </a:spcAft>
+              <a:buNone/>
+            </a:pPr>
+            <a:fld id="{00000000-1234-1234-1234-123412341234}" type="slidenum">
+              <a:rPr lang="en" smtClean="0"/>
+              <a:t>17</a:t>
+            </a:fld>
+            <a:endParaRPr lang="en"/>
+          </a:p>
+        </p:txBody>
+      </p:sp>
+    </p:spTree>
+    <p:extLst>
+      <p:ext uri="{BB962C8B-B14F-4D97-AF65-F5344CB8AC3E}">
+        <p14:creationId xmlns:p14="http://schemas.microsoft.com/office/powerpoint/2010/main" val="2672701871"/>
+      </p:ext>
+    </p:extLst>
+  </p:cSld>
+  <p:clrMapOvr>
+    <a:masterClrMapping/>
+  </p:clrMapOvr>
+</p:sld>
+</file>
+
+<file path=ppt/slides/slide18.xml><?xml version="1.0" encoding="utf-8"?>
+<p:sld xmlns:a="http://schemas.openxmlformats.org/drawingml/2006/main" xmlns:r="http://schemas.openxmlformats.org/officeDocument/2006/relationships" xmlns:p="http://schemas.openxmlformats.org/presentationml/2006/main">
+  <p:cSld>
+    <p:spTree>
+      <p:nvGrpSpPr>
+        <p:cNvPr id="1" name=""/>
+        <p:cNvGrpSpPr/>
+        <p:nvPr/>
+      </p:nvGrpSpPr>
+      <p:grpSpPr>
+        <a:xfrm>
+          <a:off x="0" y="0"/>
+          <a:ext cx="0" cy="0"/>
+          <a:chOff x="0" y="0"/>
+          <a:chExt cx="0" cy="0"/>
+        </a:xfrm>
+      </p:grpSpPr>
+      <p:sp>
+        <p:nvSpPr>
+          <p:cNvPr id="2" name="Title 1">
+            <a:extLst>
+              <a:ext uri="{FF2B5EF4-FFF2-40B4-BE49-F238E27FC236}">
+                <a16:creationId xmlns:a16="http://schemas.microsoft.com/office/drawing/2014/main" id="{0D96CC1A-CD0B-E7F8-3E88-83DEA2FC1912}"/>
+              </a:ext>
+            </a:extLst>
+          </p:cNvPr>
+          <p:cNvSpPr>
+            <a:spLocks noGrp="1"/>
+          </p:cNvSpPr>
+          <p:nvPr>
+            <p:ph type="title"/>
+          </p:nvPr>
+        </p:nvSpPr>
+        <p:spPr>
+          <a:xfrm>
+            <a:off x="3440998" y="785758"/>
+            <a:ext cx="4944300" cy="645300"/>
+          </a:xfrm>
+        </p:spPr>
+        <p:txBody>
+          <a:bodyPr/>
+          <a:lstStyle/>
+          <a:p>
+            <a:r>
+              <a:rPr lang="en-US" sz="4800" b="1" dirty="0"/>
+              <a:t>Task object</a:t>
+            </a:r>
+            <a:endParaRPr lang="en-IN" sz="4800" b="1" dirty="0"/>
+          </a:p>
+        </p:txBody>
+      </p:sp>
+      <p:sp>
+        <p:nvSpPr>
+          <p:cNvPr id="3" name="Text Placeholder 2">
+            <a:extLst>
+              <a:ext uri="{FF2B5EF4-FFF2-40B4-BE49-F238E27FC236}">
+                <a16:creationId xmlns:a16="http://schemas.microsoft.com/office/drawing/2014/main" id="{C1ECA976-8994-45FF-F774-F85809E2C627}"/>
+              </a:ext>
+            </a:extLst>
+          </p:cNvPr>
+          <p:cNvSpPr>
+            <a:spLocks noGrp="1"/>
+          </p:cNvSpPr>
+          <p:nvPr>
+            <p:ph type="body" idx="1"/>
+          </p:nvPr>
+        </p:nvSpPr>
+        <p:spPr>
+          <a:xfrm>
+            <a:off x="1690169" y="1517935"/>
+            <a:ext cx="6043244" cy="1659900"/>
+          </a:xfrm>
+        </p:spPr>
+        <p:txBody>
+          <a:bodyPr/>
+          <a:lstStyle/>
+          <a:p>
+            <a:r>
+              <a:rPr lang="en-US" dirty="0"/>
+              <a:t>Tasks are used to run coroutines in event loops. If a coroutine awaits on a Future, the Task suspends the execution of the coroutine and waits for the completion of the Future. When the Future is done, the execution of the wrapped coroutine resumes.</a:t>
+            </a:r>
+          </a:p>
+          <a:p>
+            <a:r>
+              <a:rPr lang="en-US" dirty="0"/>
+              <a:t>Event loops use cooperative scheduling: an event loop runs one Task at a time. While a Task awaits for the completion of a Future, the event loop runs other Tasks, callbacks, or performs IO operations.</a:t>
+            </a:r>
+          </a:p>
+          <a:p>
+            <a:r>
+              <a:rPr lang="en-US" dirty="0"/>
+              <a:t>Use the high-level </a:t>
+            </a:r>
+            <a:r>
+              <a:rPr lang="en-US" dirty="0" err="1">
+                <a:solidFill>
+                  <a:srgbClr val="FFC000"/>
+                </a:solidFill>
+              </a:rPr>
+              <a:t>asyncio.create_task</a:t>
+            </a:r>
+            <a:r>
+              <a:rPr lang="en-US" dirty="0">
+                <a:solidFill>
+                  <a:srgbClr val="FFC000"/>
+                </a:solidFill>
+              </a:rPr>
+              <a:t>() </a:t>
+            </a:r>
+            <a:r>
+              <a:rPr lang="en-US" dirty="0"/>
+              <a:t>function to create Tasks </a:t>
+            </a:r>
+          </a:p>
+          <a:p>
+            <a:r>
+              <a:rPr lang="en-US" dirty="0"/>
+              <a:t>It contains many function like </a:t>
+            </a:r>
+            <a:r>
+              <a:rPr lang="en-US" dirty="0">
+                <a:solidFill>
+                  <a:srgbClr val="FFC000"/>
+                </a:solidFill>
+              </a:rPr>
+              <a:t>cancel() , cancelled() , done(), result()</a:t>
+            </a:r>
+            <a:r>
+              <a:rPr lang="en-US" dirty="0"/>
+              <a:t>, etc.</a:t>
+            </a:r>
+          </a:p>
+          <a:p>
+            <a:endParaRPr lang="en-US" dirty="0"/>
+          </a:p>
+          <a:p>
+            <a:r>
+              <a:rPr lang="en-IN" dirty="0"/>
+              <a:t>For more info visit this </a:t>
+            </a:r>
+            <a:r>
+              <a:rPr lang="en-IN" dirty="0">
+                <a:hlinkClick r:id="rId2"/>
+              </a:rPr>
+              <a:t>https://docs.python.org/3/library/asyncio-task.html#task-object</a:t>
+            </a:r>
+            <a:endParaRPr lang="en-IN" dirty="0"/>
+          </a:p>
+        </p:txBody>
+      </p:sp>
+      <p:sp>
+        <p:nvSpPr>
+          <p:cNvPr id="4" name="Slide Number Placeholder 3">
+            <a:extLst>
+              <a:ext uri="{FF2B5EF4-FFF2-40B4-BE49-F238E27FC236}">
+                <a16:creationId xmlns:a16="http://schemas.microsoft.com/office/drawing/2014/main" id="{4DFFEC05-2132-2596-E04A-BD8C950567A3}"/>
+              </a:ext>
+            </a:extLst>
+          </p:cNvPr>
+          <p:cNvSpPr>
+            <a:spLocks noGrp="1"/>
+          </p:cNvSpPr>
+          <p:nvPr>
+            <p:ph type="sldNum" idx="12"/>
+          </p:nvPr>
+        </p:nvSpPr>
+        <p:spPr/>
+        <p:txBody>
+          <a:bodyPr/>
+          <a:lstStyle/>
+          <a:p>
+            <a:pPr marL="0" lvl="0" indent="0" algn="l" rtl="0">
+              <a:spcBef>
+                <a:spcPts val="0"/>
+              </a:spcBef>
+              <a:spcAft>
+                <a:spcPts val="0"/>
+              </a:spcAft>
+              <a:buNone/>
+            </a:pPr>
+            <a:fld id="{00000000-1234-1234-1234-123412341234}" type="slidenum">
+              <a:rPr lang="en" smtClean="0"/>
+              <a:t>18</a:t>
+            </a:fld>
+            <a:endParaRPr lang="en"/>
+          </a:p>
+        </p:txBody>
+      </p:sp>
+    </p:spTree>
+    <p:extLst>
+      <p:ext uri="{BB962C8B-B14F-4D97-AF65-F5344CB8AC3E}">
+        <p14:creationId xmlns:p14="http://schemas.microsoft.com/office/powerpoint/2010/main" val="856465927"/>
+      </p:ext>
+    </p:extLst>
+  </p:cSld>
+  <p:clrMapOvr>
+    <a:masterClrMapping/>
+  </p:clrMapOvr>
+</p:sld>
+</file>
+
+<file path=ppt/slides/slide19.xml><?xml version="1.0" encoding="utf-8"?>
+<p:sld xmlns:a="http://schemas.openxmlformats.org/drawingml/2006/main" xmlns:r="http://schemas.openxmlformats.org/officeDocument/2006/relationships" xmlns:p="http://schemas.openxmlformats.org/presentationml/2006/main">
+  <p:cSld>
+    <p:spTree>
+      <p:nvGrpSpPr>
+        <p:cNvPr id="1" name=""/>
+        <p:cNvGrpSpPr/>
+        <p:nvPr/>
+      </p:nvGrpSpPr>
+      <p:grpSpPr>
+        <a:xfrm>
+          <a:off x="0" y="0"/>
+          <a:ext cx="0" cy="0"/>
+          <a:chOff x="0" y="0"/>
+          <a:chExt cx="0" cy="0"/>
+        </a:xfrm>
+      </p:grpSpPr>
+      <p:sp>
+        <p:nvSpPr>
+          <p:cNvPr id="2" name="Title 1">
+            <a:extLst>
+              <a:ext uri="{FF2B5EF4-FFF2-40B4-BE49-F238E27FC236}">
+                <a16:creationId xmlns:a16="http://schemas.microsoft.com/office/drawing/2014/main" id="{5268099B-496C-6ED1-F322-00BD9E927EB0}"/>
+              </a:ext>
+            </a:extLst>
+          </p:cNvPr>
+          <p:cNvSpPr>
+            <a:spLocks noGrp="1"/>
+          </p:cNvSpPr>
+          <p:nvPr>
+            <p:ph type="title"/>
+          </p:nvPr>
+        </p:nvSpPr>
+        <p:spPr>
+          <a:xfrm>
+            <a:off x="3554411" y="127131"/>
+            <a:ext cx="4944300" cy="645300"/>
+          </a:xfrm>
+        </p:spPr>
+        <p:txBody>
+          <a:bodyPr/>
+          <a:lstStyle/>
+          <a:p>
+            <a:r>
+              <a:rPr lang="en-US" sz="4400" b="1" dirty="0"/>
+              <a:t>Example</a:t>
+            </a:r>
+            <a:endParaRPr lang="en-IN" sz="4400" b="1" dirty="0"/>
+          </a:p>
+        </p:txBody>
+      </p:sp>
+      <p:sp>
+        <p:nvSpPr>
+          <p:cNvPr id="4" name="Slide Number Placeholder 3">
+            <a:extLst>
+              <a:ext uri="{FF2B5EF4-FFF2-40B4-BE49-F238E27FC236}">
+                <a16:creationId xmlns:a16="http://schemas.microsoft.com/office/drawing/2014/main" id="{32B949FD-543E-1862-4532-49F6C3554A47}"/>
+              </a:ext>
+            </a:extLst>
+          </p:cNvPr>
+          <p:cNvSpPr>
+            <a:spLocks noGrp="1"/>
+          </p:cNvSpPr>
+          <p:nvPr>
+            <p:ph type="sldNum" idx="12"/>
+          </p:nvPr>
+        </p:nvSpPr>
+        <p:spPr/>
+        <p:txBody>
+          <a:bodyPr/>
+          <a:lstStyle/>
+          <a:p>
+            <a:pPr marL="0" lvl="0" indent="0" algn="l" rtl="0">
+              <a:spcBef>
+                <a:spcPts val="0"/>
+              </a:spcBef>
+              <a:spcAft>
+                <a:spcPts val="0"/>
+              </a:spcAft>
+              <a:buNone/>
+            </a:pPr>
+            <a:fld id="{00000000-1234-1234-1234-123412341234}" type="slidenum">
+              <a:rPr lang="en" smtClean="0"/>
+              <a:t>19</a:t>
+            </a:fld>
+            <a:endParaRPr lang="en"/>
+          </a:p>
+        </p:txBody>
+      </p:sp>
+      <p:pic>
+        <p:nvPicPr>
+          <p:cNvPr id="8" name="Picture 7">
+            <a:extLst>
+              <a:ext uri="{FF2B5EF4-FFF2-40B4-BE49-F238E27FC236}">
+                <a16:creationId xmlns:a16="http://schemas.microsoft.com/office/drawing/2014/main" id="{EF3EF6AD-1CAC-E5E5-C204-4940A2C60AC4}"/>
+              </a:ext>
+            </a:extLst>
+          </p:cNvPr>
+          <p:cNvPicPr>
+            <a:picLocks noChangeAspect="1"/>
+          </p:cNvPicPr>
+          <p:nvPr/>
+        </p:nvPicPr>
+        <p:blipFill>
+          <a:blip r:embed="rId2"/>
+          <a:stretch>
+            <a:fillRect/>
+          </a:stretch>
+        </p:blipFill>
+        <p:spPr>
+          <a:xfrm>
+            <a:off x="2355994" y="740509"/>
+            <a:ext cx="4257457" cy="4275860"/>
+          </a:xfrm>
+          <a:prstGeom prst="rect">
+            <a:avLst/>
+          </a:prstGeom>
+        </p:spPr>
+      </p:pic>
+    </p:spTree>
+    <p:extLst>
+      <p:ext uri="{BB962C8B-B14F-4D97-AF65-F5344CB8AC3E}">
+        <p14:creationId xmlns:p14="http://schemas.microsoft.com/office/powerpoint/2010/main" val="110089537"/>
+      </p:ext>
+    </p:extLst>
+  </p:cSld>
+  <p:clrMapOvr>
+    <a:masterClrMapping/>
+  </p:clrMapOvr>
+</p:sld>
+</file>
+
+<file path=ppt/slides/slide2.xml><?xml version="1.0" encoding="utf-8"?>
+<p:sld xmlns:a="http://schemas.openxmlformats.org/drawingml/2006/main" xmlns:r="http://schemas.openxmlformats.org/officeDocument/2006/relationships" xmlns:p="http://schemas.openxmlformats.org/presentationml/2006/main">
+  <p:cSld>
+    <p:spTree>
+      <p:nvGrpSpPr>
+        <p:cNvPr id="1" name=""/>
+        <p:cNvGrpSpPr/>
+        <p:nvPr/>
+      </p:nvGrpSpPr>
+      <p:grpSpPr>
+        <a:xfrm>
+          <a:off x="0" y="0"/>
+          <a:ext cx="0" cy="0"/>
+          <a:chOff x="0" y="0"/>
+          <a:chExt cx="0" cy="0"/>
+        </a:xfrm>
+      </p:grpSpPr>
+      <p:sp>
+        <p:nvSpPr>
+          <p:cNvPr id="7" name="Title 6">
+            <a:extLst>
+              <a:ext uri="{FF2B5EF4-FFF2-40B4-BE49-F238E27FC236}">
+                <a16:creationId xmlns:a16="http://schemas.microsoft.com/office/drawing/2014/main" id="{F3728D7C-CE4A-E147-DA08-95F4C9387E4A}"/>
+              </a:ext>
+            </a:extLst>
+          </p:cNvPr>
+          <p:cNvSpPr>
+            <a:spLocks noGrp="1"/>
+          </p:cNvSpPr>
+          <p:nvPr>
+            <p:ph type="title"/>
+          </p:nvPr>
+        </p:nvSpPr>
+        <p:spPr>
+          <a:xfrm>
+            <a:off x="2675454" y="597177"/>
+            <a:ext cx="4944300" cy="645300"/>
+          </a:xfrm>
+        </p:spPr>
+        <p:txBody>
+          <a:bodyPr/>
+          <a:lstStyle/>
+          <a:p>
+            <a:r>
+              <a:rPr lang="en-US" sz="4400" b="1" dirty="0"/>
+              <a:t>What is Async IO</a:t>
+            </a:r>
+            <a:endParaRPr lang="en-IN" sz="4400" b="1" dirty="0">
+              <a:solidFill>
+                <a:srgbClr val="FFC000"/>
+              </a:solidFill>
+            </a:endParaRPr>
+          </a:p>
+        </p:txBody>
+      </p:sp>
+      <p:sp>
+        <p:nvSpPr>
+          <p:cNvPr id="8" name="Text Placeholder 7">
+            <a:extLst>
+              <a:ext uri="{FF2B5EF4-FFF2-40B4-BE49-F238E27FC236}">
+                <a16:creationId xmlns:a16="http://schemas.microsoft.com/office/drawing/2014/main" id="{D1E01553-4107-5EA1-E713-1D642ECC7A06}"/>
+              </a:ext>
+            </a:extLst>
+          </p:cNvPr>
+          <p:cNvSpPr>
+            <a:spLocks noGrp="1"/>
+          </p:cNvSpPr>
+          <p:nvPr>
+            <p:ph type="body" idx="1"/>
+          </p:nvPr>
+        </p:nvSpPr>
+        <p:spPr>
+          <a:xfrm>
+            <a:off x="2675454" y="1056425"/>
+            <a:ext cx="4944300" cy="1659900"/>
+          </a:xfrm>
+        </p:spPr>
+        <p:txBody>
+          <a:bodyPr/>
+          <a:lstStyle/>
+          <a:p>
+            <a:r>
+              <a:rPr lang="en-US" dirty="0"/>
+              <a:t>Async IO is a concurrent programming design that has received dedicated support in Python, evolving rapidly from Python 3.4 through 3.10, and probably beyond.</a:t>
+            </a:r>
+          </a:p>
+          <a:p>
+            <a:r>
+              <a:rPr lang="en-US" dirty="0"/>
+              <a:t>async IO is a single-threaded, single-process design</a:t>
+            </a:r>
+          </a:p>
+          <a:p>
+            <a:r>
+              <a:rPr lang="en-US" dirty="0"/>
+              <a:t>Coroutines (a central feature of async IO) can be scheduled concurrently, but they are not inherently concurrent</a:t>
+            </a:r>
+          </a:p>
+          <a:p>
+            <a:r>
+              <a:rPr lang="en-US" dirty="0"/>
+              <a:t>Coroutines are able to “pause” while waiting on their ultimate result and let other routines run in the meantime</a:t>
+            </a:r>
+          </a:p>
+        </p:txBody>
+      </p:sp>
+      <p:sp>
+        <p:nvSpPr>
+          <p:cNvPr id="3" name="Slide Number Placeholder 2">
+            <a:extLst>
+              <a:ext uri="{FF2B5EF4-FFF2-40B4-BE49-F238E27FC236}">
+                <a16:creationId xmlns:a16="http://schemas.microsoft.com/office/drawing/2014/main" id="{AB4195DD-4824-CFD3-7697-35A7BC91B983}"/>
+              </a:ext>
+            </a:extLst>
+          </p:cNvPr>
+          <p:cNvSpPr>
+            <a:spLocks noGrp="1"/>
+          </p:cNvSpPr>
+          <p:nvPr>
+            <p:ph type="sldNum" idx="12"/>
+          </p:nvPr>
+        </p:nvSpPr>
+        <p:spPr/>
+        <p:txBody>
+          <a:bodyPr/>
+          <a:lstStyle/>
+          <a:p>
+            <a:pPr marL="0" lvl="0" indent="0" algn="l" rtl="0">
+              <a:spcBef>
+                <a:spcPts val="0"/>
+              </a:spcBef>
+              <a:spcAft>
+                <a:spcPts val="0"/>
+              </a:spcAft>
+              <a:buNone/>
+            </a:pPr>
+            <a:fld id="{00000000-1234-1234-1234-123412341234}" type="slidenum">
+              <a:rPr lang="en" smtClean="0"/>
+              <a:t>2</a:t>
+            </a:fld>
+            <a:endParaRPr lang="en"/>
+          </a:p>
+        </p:txBody>
+      </p:sp>
+      <p:sp>
+        <p:nvSpPr>
+          <p:cNvPr id="10" name="TextBox 9">
+            <a:extLst>
+              <a:ext uri="{FF2B5EF4-FFF2-40B4-BE49-F238E27FC236}">
+                <a16:creationId xmlns:a16="http://schemas.microsoft.com/office/drawing/2014/main" id="{BF8CCC3E-E567-0089-B580-EF1528A9C885}"/>
+              </a:ext>
+            </a:extLst>
+          </p:cNvPr>
+          <p:cNvSpPr txBox="1"/>
+          <p:nvPr/>
+        </p:nvSpPr>
+        <p:spPr>
+          <a:xfrm>
+            <a:off x="6677000" y="191387"/>
+            <a:ext cx="1233376" cy="1200329"/>
+          </a:xfrm>
+          <a:prstGeom prst="rect">
+            <a:avLst/>
+          </a:prstGeom>
+          <a:noFill/>
+        </p:spPr>
+        <p:txBody>
+          <a:bodyPr wrap="square" rtlCol="0">
+            <a:spAutoFit/>
+          </a:bodyPr>
+          <a:lstStyle/>
+          <a:p>
+            <a:r>
+              <a:rPr lang="en-US" sz="7200" b="1" dirty="0">
+                <a:solidFill>
+                  <a:srgbClr val="FFC000"/>
+                </a:solidFill>
+              </a:rPr>
+              <a:t>?</a:t>
+            </a:r>
+            <a:endParaRPr lang="en-IN" sz="7200" b="1" dirty="0"/>
+          </a:p>
+        </p:txBody>
+      </p:sp>
+      <p:sp>
+        <p:nvSpPr>
+          <p:cNvPr id="11" name="TextBox 10">
+            <a:extLst>
+              <a:ext uri="{FF2B5EF4-FFF2-40B4-BE49-F238E27FC236}">
+                <a16:creationId xmlns:a16="http://schemas.microsoft.com/office/drawing/2014/main" id="{6276CF6E-CE74-0822-93C8-A60774B065FE}"/>
+              </a:ext>
+            </a:extLst>
+          </p:cNvPr>
+          <p:cNvSpPr txBox="1"/>
+          <p:nvPr/>
+        </p:nvSpPr>
+        <p:spPr>
+          <a:xfrm>
+            <a:off x="760732" y="3313823"/>
+            <a:ext cx="5458047" cy="461665"/>
+          </a:xfrm>
+          <a:prstGeom prst="rect">
+            <a:avLst/>
+          </a:prstGeom>
+          <a:noFill/>
+        </p:spPr>
+        <p:txBody>
+          <a:bodyPr wrap="square" rtlCol="0">
+            <a:spAutoFit/>
+          </a:bodyPr>
+          <a:lstStyle/>
+          <a:p>
+            <a:r>
+              <a:rPr lang="en-US" sz="2400" b="1" dirty="0">
+                <a:solidFill>
+                  <a:srgbClr val="19BBD5"/>
+                </a:solidFill>
+                <a:latin typeface="Nixie One"/>
+                <a:sym typeface="Nixie One"/>
+              </a:rPr>
+              <a:t>What Coroutines mean </a:t>
+            </a:r>
+            <a:r>
+              <a:rPr lang="en-US" sz="2400" b="1" dirty="0">
+                <a:solidFill>
+                  <a:srgbClr val="FFC000"/>
+                </a:solidFill>
+                <a:latin typeface="Nixie One"/>
+                <a:sym typeface="Nixie One"/>
+              </a:rPr>
+              <a:t>?</a:t>
+            </a:r>
+            <a:endParaRPr lang="en-IN" sz="2400" b="1" dirty="0">
+              <a:solidFill>
+                <a:srgbClr val="FFC000"/>
+              </a:solidFill>
+              <a:latin typeface="Nixie One"/>
+              <a:sym typeface="Nixie One"/>
+            </a:endParaRPr>
+          </a:p>
+        </p:txBody>
+      </p:sp>
+      <p:sp>
+        <p:nvSpPr>
+          <p:cNvPr id="12" name="TextBox 11">
+            <a:extLst>
+              <a:ext uri="{FF2B5EF4-FFF2-40B4-BE49-F238E27FC236}">
+                <a16:creationId xmlns:a16="http://schemas.microsoft.com/office/drawing/2014/main" id="{F2CC1199-DF16-1EDA-563D-EBCF37D7C477}"/>
+              </a:ext>
+            </a:extLst>
+          </p:cNvPr>
+          <p:cNvSpPr txBox="1"/>
+          <p:nvPr/>
+        </p:nvSpPr>
+        <p:spPr>
+          <a:xfrm>
+            <a:off x="760732" y="3831418"/>
+            <a:ext cx="4983125" cy="954107"/>
+          </a:xfrm>
+          <a:prstGeom prst="rect">
+            <a:avLst/>
+          </a:prstGeom>
+          <a:noFill/>
+        </p:spPr>
+        <p:txBody>
+          <a:bodyPr wrap="square" rtlCol="0">
+            <a:spAutoFit/>
+          </a:bodyPr>
+          <a:lstStyle/>
+          <a:p>
+            <a:pPr marL="457200" indent="-317500">
+              <a:spcBef>
+                <a:spcPts val="600"/>
+              </a:spcBef>
+              <a:buClr>
+                <a:srgbClr val="19BBD5"/>
+              </a:buClr>
+              <a:buSzPts val="1400"/>
+              <a:buFont typeface="Muli"/>
+              <a:buChar char="◇"/>
+            </a:pPr>
+            <a:r>
+              <a:rPr lang="en-US" dirty="0">
+                <a:solidFill>
+                  <a:srgbClr val="C6DAEC"/>
+                </a:solidFill>
+                <a:latin typeface="Muli"/>
+                <a:sym typeface="Muli"/>
+              </a:rPr>
+              <a:t>Coroutines are a special type of function that deliberately yield control over to the caller, but does not end its context in the process, instead maintaining it in an idle state.</a:t>
+            </a:r>
+            <a:endParaRPr lang="en-IN" dirty="0">
+              <a:solidFill>
+                <a:srgbClr val="C6DAEC"/>
+              </a:solidFill>
+              <a:latin typeface="Muli"/>
+              <a:sym typeface="Muli"/>
+            </a:endParaRPr>
+          </a:p>
+        </p:txBody>
+      </p:sp>
+    </p:spTree>
+    <p:extLst>
+      <p:ext uri="{BB962C8B-B14F-4D97-AF65-F5344CB8AC3E}">
+        <p14:creationId xmlns:p14="http://schemas.microsoft.com/office/powerpoint/2010/main" val="2751973877"/>
+      </p:ext>
+    </p:extLst>
+  </p:cSld>
+  <p:clrMapOvr>
+    <a:masterClrMapping/>
+  </p:clrMapOvr>
+</p:sld>
+</file>
+
+<file path=ppt/slides/slide20.xml><?xml version="1.0" encoding="utf-8"?>
+<p:sld xmlns:a="http://schemas.openxmlformats.org/drawingml/2006/main" xmlns:r="http://schemas.openxmlformats.org/officeDocument/2006/relationships" xmlns:p="http://schemas.openxmlformats.org/presentationml/2006/main">
+  <p:cSld>
+    <p:spTree>
+      <p:nvGrpSpPr>
+        <p:cNvPr id="1" name=""/>
+        <p:cNvGrpSpPr/>
+        <p:nvPr/>
+      </p:nvGrpSpPr>
+      <p:grpSpPr>
+        <a:xfrm>
+          <a:off x="0" y="0"/>
+          <a:ext cx="0" cy="0"/>
+          <a:chOff x="0" y="0"/>
+          <a:chExt cx="0" cy="0"/>
+        </a:xfrm>
+      </p:grpSpPr>
+      <p:sp>
+        <p:nvSpPr>
+          <p:cNvPr id="5" name="Title 4">
+            <a:extLst>
+              <a:ext uri="{FF2B5EF4-FFF2-40B4-BE49-F238E27FC236}">
+                <a16:creationId xmlns:a16="http://schemas.microsoft.com/office/drawing/2014/main" id="{B97F4F7F-E8A2-35F0-84A7-92539A911054}"/>
+              </a:ext>
+            </a:extLst>
+          </p:cNvPr>
+          <p:cNvSpPr>
+            <a:spLocks noGrp="1"/>
+          </p:cNvSpPr>
+          <p:nvPr>
+            <p:ph type="ctrTitle"/>
+          </p:nvPr>
+        </p:nvSpPr>
+        <p:spPr/>
+        <p:txBody>
+          <a:bodyPr/>
+          <a:lstStyle/>
+          <a:p>
+            <a:r>
+              <a:rPr lang="en-US" sz="6000" b="1" dirty="0"/>
+              <a:t>MY TASK</a:t>
+            </a:r>
+            <a:endParaRPr lang="en-IN" sz="6000" b="1" dirty="0"/>
+          </a:p>
+        </p:txBody>
+      </p:sp>
+      <p:sp>
+        <p:nvSpPr>
+          <p:cNvPr id="4" name="Slide Number Placeholder 3">
+            <a:extLst>
+              <a:ext uri="{FF2B5EF4-FFF2-40B4-BE49-F238E27FC236}">
+                <a16:creationId xmlns:a16="http://schemas.microsoft.com/office/drawing/2014/main" id="{BFC1802C-1879-42E6-765C-2F0D7B6E3D11}"/>
+              </a:ext>
+            </a:extLst>
+          </p:cNvPr>
+          <p:cNvSpPr>
+            <a:spLocks noGrp="1"/>
+          </p:cNvSpPr>
+          <p:nvPr>
+            <p:ph type="sldNum" idx="4294967295"/>
+          </p:nvPr>
+        </p:nvSpPr>
+        <p:spPr>
+          <a:xfrm>
+            <a:off x="0" y="4786313"/>
+            <a:ext cx="547688" cy="357187"/>
+          </a:xfrm>
+        </p:spPr>
+        <p:txBody>
+          <a:bodyPr/>
+          <a:lstStyle/>
+          <a:p>
+            <a:pPr marL="0" lvl="0" indent="0" algn="l" rtl="0">
+              <a:spcBef>
+                <a:spcPts val="0"/>
+              </a:spcBef>
+              <a:spcAft>
+                <a:spcPts val="0"/>
+              </a:spcAft>
+              <a:buNone/>
+            </a:pPr>
+            <a:fld id="{00000000-1234-1234-1234-123412341234}" type="slidenum">
+              <a:rPr lang="en" smtClean="0"/>
+              <a:t>20</a:t>
+            </a:fld>
+            <a:endParaRPr lang="en"/>
+          </a:p>
+        </p:txBody>
+      </p:sp>
+    </p:spTree>
+    <p:extLst>
+      <p:ext uri="{BB962C8B-B14F-4D97-AF65-F5344CB8AC3E}">
+        <p14:creationId xmlns:p14="http://schemas.microsoft.com/office/powerpoint/2010/main" val="132395994"/>
+      </p:ext>
+    </p:extLst>
+  </p:cSld>
+  <p:clrMapOvr>
+    <a:masterClrMapping/>
+  </p:clrMapOvr>
+</p:sld>
+</file>
+
+<file path=ppt/slides/slide21.xml><?xml version="1.0" encoding="utf-8"?>
+<p:sld xmlns:a="http://schemas.openxmlformats.org/drawingml/2006/main" xmlns:r="http://schemas.openxmlformats.org/officeDocument/2006/relationships" xmlns:p="http://schemas.openxmlformats.org/presentationml/2006/main">
+  <p:cSld>
+    <p:spTree>
+      <p:nvGrpSpPr>
+        <p:cNvPr id="1" name=""/>
+        <p:cNvGrpSpPr/>
+        <p:nvPr/>
+      </p:nvGrpSpPr>
+      <p:grpSpPr>
+        <a:xfrm>
+          <a:off x="0" y="0"/>
+          <a:ext cx="0" cy="0"/>
+          <a:chOff x="0" y="0"/>
+          <a:chExt cx="0" cy="0"/>
+        </a:xfrm>
+      </p:grpSpPr>
+      <p:sp>
+        <p:nvSpPr>
+          <p:cNvPr id="2" name="Title 1">
+            <a:extLst>
+              <a:ext uri="{FF2B5EF4-FFF2-40B4-BE49-F238E27FC236}">
                 <a16:creationId xmlns:a16="http://schemas.microsoft.com/office/drawing/2014/main" id="{00B5C09E-58DF-C8EF-9583-9C0E58402262}"/>
               </a:ext>
             </a:extLst>
@@ -39096,7 +40259,7 @@
 </p:sld>
 </file>
 
-<file path=ppt/slides/slide17.xml><?xml version="1.0" encoding="utf-8"?>
+<file path=ppt/slides/slide22.xml><?xml version="1.0" encoding="utf-8"?>
 <p:sld xmlns:a="http://schemas.openxmlformats.org/drawingml/2006/main" xmlns:r="http://schemas.openxmlformats.org/officeDocument/2006/relationships" xmlns:p="http://schemas.openxmlformats.org/presentationml/2006/main">
   <p:cSld>
     <p:spTree>
@@ -39178,7 +40341,7 @@
             </a:pPr>
             <a:fld id="{00000000-1234-1234-1234-123412341234}" type="slidenum">
               <a:rPr lang="en" smtClean="0"/>
-              <a:t>17</a:t>
+              <a:t>22</a:t>
             </a:fld>
             <a:endParaRPr lang="en"/>
           </a:p>
@@ -39227,7 +40390,7 @@
 </p:sld>
 </file>
 
-<file path=ppt/slides/slide18.xml><?xml version="1.0" encoding="utf-8"?>
+<file path=ppt/slides/slide23.xml><?xml version="1.0" encoding="utf-8"?>
 <p:sld xmlns:a="http://schemas.openxmlformats.org/drawingml/2006/main" xmlns:r="http://schemas.openxmlformats.org/officeDocument/2006/relationships" xmlns:p="http://schemas.openxmlformats.org/presentationml/2006/main">
   <p:cSld>
     <p:spTree>
@@ -39309,7 +40472,7 @@
             </a:pPr>
             <a:fld id="{00000000-1234-1234-1234-123412341234}" type="slidenum">
               <a:rPr lang="en" smtClean="0"/>
-              <a:t>18</a:t>
+              <a:t>23</a:t>
             </a:fld>
             <a:endParaRPr lang="en"/>
           </a:p>
@@ -39388,7 +40551,7 @@
 </p:sld>
 </file>
 
-<file path=ppt/slides/slide19.xml><?xml version="1.0" encoding="utf-8"?>
+<file path=ppt/slides/slide24.xml><?xml version="1.0" encoding="utf-8"?>
 <p:sld xmlns:a="http://schemas.openxmlformats.org/drawingml/2006/main" xmlns:r="http://schemas.openxmlformats.org/officeDocument/2006/relationships" xmlns:p="http://schemas.openxmlformats.org/presentationml/2006/main">
   <p:cSld>
     <p:spTree>
@@ -39502,321 +40665,7 @@
 </p:sld>
 </file>
 
-<file path=ppt/slides/slide2.xml><?xml version="1.0" encoding="utf-8"?>
-<p:sld xmlns:a="http://schemas.openxmlformats.org/drawingml/2006/main" xmlns:r="http://schemas.openxmlformats.org/officeDocument/2006/relationships" xmlns:p="http://schemas.openxmlformats.org/presentationml/2006/main">
-  <p:cSld>
-    <p:spTree>
-      <p:nvGrpSpPr>
-        <p:cNvPr id="1" name=""/>
-        <p:cNvGrpSpPr/>
-        <p:nvPr/>
-      </p:nvGrpSpPr>
-      <p:grpSpPr>
-        <a:xfrm>
-          <a:off x="0" y="0"/>
-          <a:ext cx="0" cy="0"/>
-          <a:chOff x="0" y="0"/>
-          <a:chExt cx="0" cy="0"/>
-        </a:xfrm>
-      </p:grpSpPr>
-      <p:sp>
-        <p:nvSpPr>
-          <p:cNvPr id="7" name="Title 6">
-            <a:extLst>
-              <a:ext uri="{FF2B5EF4-FFF2-40B4-BE49-F238E27FC236}">
-                <a16:creationId xmlns:a16="http://schemas.microsoft.com/office/drawing/2014/main" id="{F3728D7C-CE4A-E147-DA08-95F4C9387E4A}"/>
-              </a:ext>
-            </a:extLst>
-          </p:cNvPr>
-          <p:cNvSpPr>
-            <a:spLocks noGrp="1"/>
-          </p:cNvSpPr>
-          <p:nvPr>
-            <p:ph type="title"/>
-          </p:nvPr>
-        </p:nvSpPr>
-        <p:spPr>
-          <a:xfrm>
-            <a:off x="2675454" y="597177"/>
-            <a:ext cx="4944300" cy="645300"/>
-          </a:xfrm>
-        </p:spPr>
-        <p:txBody>
-          <a:bodyPr/>
-          <a:lstStyle/>
-          <a:p>
-            <a:r>
-              <a:rPr lang="en-US" sz="4400" b="1" dirty="0"/>
-              <a:t>What is Async IO</a:t>
-            </a:r>
-            <a:endParaRPr lang="en-IN" sz="4400" b="1" dirty="0">
-              <a:solidFill>
-                <a:srgbClr val="FFC000"/>
-              </a:solidFill>
-            </a:endParaRPr>
-          </a:p>
-        </p:txBody>
-      </p:sp>
-      <p:sp>
-        <p:nvSpPr>
-          <p:cNvPr id="8" name="Text Placeholder 7">
-            <a:extLst>
-              <a:ext uri="{FF2B5EF4-FFF2-40B4-BE49-F238E27FC236}">
-                <a16:creationId xmlns:a16="http://schemas.microsoft.com/office/drawing/2014/main" id="{D1E01553-4107-5EA1-E713-1D642ECC7A06}"/>
-              </a:ext>
-            </a:extLst>
-          </p:cNvPr>
-          <p:cNvSpPr>
-            <a:spLocks noGrp="1"/>
-          </p:cNvSpPr>
-          <p:nvPr>
-            <p:ph type="body" idx="1"/>
-          </p:nvPr>
-        </p:nvSpPr>
-        <p:spPr>
-          <a:xfrm>
-            <a:off x="2675454" y="1056425"/>
-            <a:ext cx="4944300" cy="1659900"/>
-          </a:xfrm>
-        </p:spPr>
-        <p:txBody>
-          <a:bodyPr/>
-          <a:lstStyle/>
-          <a:p>
-            <a:r>
-              <a:rPr lang="en-US" dirty="0"/>
-              <a:t>Async IO is a concurrent programming design that has received dedicated support in Python, evolving rapidly from Python 3.4 through 3.10, and probably beyond.</a:t>
-            </a:r>
-          </a:p>
-          <a:p>
-            <a:r>
-              <a:rPr lang="en-US" dirty="0"/>
-              <a:t>async IO is a single-threaded, single-process design</a:t>
-            </a:r>
-          </a:p>
-          <a:p>
-            <a:r>
-              <a:rPr lang="en-US" dirty="0"/>
-              <a:t>Coroutines (a central feature of async IO) can be scheduled concurrently, but they are not inherently concurrent</a:t>
-            </a:r>
-          </a:p>
-          <a:p>
-            <a:r>
-              <a:rPr lang="en-US" dirty="0"/>
-              <a:t>Coroutines are able to “pause” while waiting on their ultimate result and let other routines run in the meantime</a:t>
-            </a:r>
-          </a:p>
-        </p:txBody>
-      </p:sp>
-      <p:sp>
-        <p:nvSpPr>
-          <p:cNvPr id="3" name="Slide Number Placeholder 2">
-            <a:extLst>
-              <a:ext uri="{FF2B5EF4-FFF2-40B4-BE49-F238E27FC236}">
-                <a16:creationId xmlns:a16="http://schemas.microsoft.com/office/drawing/2014/main" id="{AB4195DD-4824-CFD3-7697-35A7BC91B983}"/>
-              </a:ext>
-            </a:extLst>
-          </p:cNvPr>
-          <p:cNvSpPr>
-            <a:spLocks noGrp="1"/>
-          </p:cNvSpPr>
-          <p:nvPr>
-            <p:ph type="sldNum" idx="12"/>
-          </p:nvPr>
-        </p:nvSpPr>
-        <p:spPr/>
-        <p:txBody>
-          <a:bodyPr/>
-          <a:lstStyle/>
-          <a:p>
-            <a:pPr marL="0" lvl="0" indent="0" algn="l" rtl="0">
-              <a:spcBef>
-                <a:spcPts val="0"/>
-              </a:spcBef>
-              <a:spcAft>
-                <a:spcPts val="0"/>
-              </a:spcAft>
-              <a:buNone/>
-            </a:pPr>
-            <a:fld id="{00000000-1234-1234-1234-123412341234}" type="slidenum">
-              <a:rPr lang="en" smtClean="0"/>
-              <a:t>2</a:t>
-            </a:fld>
-            <a:endParaRPr lang="en"/>
-          </a:p>
-        </p:txBody>
-      </p:sp>
-      <p:sp>
-        <p:nvSpPr>
-          <p:cNvPr id="10" name="TextBox 9">
-            <a:extLst>
-              <a:ext uri="{FF2B5EF4-FFF2-40B4-BE49-F238E27FC236}">
-                <a16:creationId xmlns:a16="http://schemas.microsoft.com/office/drawing/2014/main" id="{BF8CCC3E-E567-0089-B580-EF1528A9C885}"/>
-              </a:ext>
-            </a:extLst>
-          </p:cNvPr>
-          <p:cNvSpPr txBox="1"/>
-          <p:nvPr/>
-        </p:nvSpPr>
-        <p:spPr>
-          <a:xfrm>
-            <a:off x="6677000" y="191387"/>
-            <a:ext cx="1233376" cy="1200329"/>
-          </a:xfrm>
-          <a:prstGeom prst="rect">
-            <a:avLst/>
-          </a:prstGeom>
-          <a:noFill/>
-        </p:spPr>
-        <p:txBody>
-          <a:bodyPr wrap="square" rtlCol="0">
-            <a:spAutoFit/>
-          </a:bodyPr>
-          <a:lstStyle/>
-          <a:p>
-            <a:r>
-              <a:rPr lang="en-US" sz="7200" b="1" dirty="0">
-                <a:solidFill>
-                  <a:srgbClr val="FFC000"/>
-                </a:solidFill>
-              </a:rPr>
-              <a:t>?</a:t>
-            </a:r>
-            <a:endParaRPr lang="en-IN" sz="7200" b="1" dirty="0"/>
-          </a:p>
-        </p:txBody>
-      </p:sp>
-      <p:sp>
-        <p:nvSpPr>
-          <p:cNvPr id="11" name="TextBox 10">
-            <a:extLst>
-              <a:ext uri="{FF2B5EF4-FFF2-40B4-BE49-F238E27FC236}">
-                <a16:creationId xmlns:a16="http://schemas.microsoft.com/office/drawing/2014/main" id="{6276CF6E-CE74-0822-93C8-A60774B065FE}"/>
-              </a:ext>
-            </a:extLst>
-          </p:cNvPr>
-          <p:cNvSpPr txBox="1"/>
-          <p:nvPr/>
-        </p:nvSpPr>
-        <p:spPr>
-          <a:xfrm>
-            <a:off x="760732" y="3313823"/>
-            <a:ext cx="5458047" cy="461665"/>
-          </a:xfrm>
-          <a:prstGeom prst="rect">
-            <a:avLst/>
-          </a:prstGeom>
-          <a:noFill/>
-        </p:spPr>
-        <p:txBody>
-          <a:bodyPr wrap="square" rtlCol="0">
-            <a:spAutoFit/>
-          </a:bodyPr>
-          <a:lstStyle/>
-          <a:p>
-            <a:r>
-              <a:rPr lang="en-US" sz="2400" b="1" dirty="0">
-                <a:solidFill>
-                  <a:srgbClr val="19BBD5"/>
-                </a:solidFill>
-                <a:latin typeface="Nixie One"/>
-                <a:sym typeface="Nixie One"/>
-              </a:rPr>
-              <a:t>What Coroutines mean </a:t>
-            </a:r>
-            <a:r>
-              <a:rPr lang="en-US" sz="2400" b="1" dirty="0">
-                <a:solidFill>
-                  <a:srgbClr val="FFC000"/>
-                </a:solidFill>
-                <a:latin typeface="Nixie One"/>
-                <a:sym typeface="Nixie One"/>
-              </a:rPr>
-              <a:t>?</a:t>
-            </a:r>
-            <a:endParaRPr lang="en-IN" sz="2400" b="1" dirty="0">
-              <a:solidFill>
-                <a:srgbClr val="FFC000"/>
-              </a:solidFill>
-              <a:latin typeface="Nixie One"/>
-              <a:sym typeface="Nixie One"/>
-            </a:endParaRPr>
-          </a:p>
-        </p:txBody>
-      </p:sp>
-      <p:sp>
-        <p:nvSpPr>
-          <p:cNvPr id="12" name="TextBox 11">
-            <a:extLst>
-              <a:ext uri="{FF2B5EF4-FFF2-40B4-BE49-F238E27FC236}">
-                <a16:creationId xmlns:a16="http://schemas.microsoft.com/office/drawing/2014/main" id="{F2CC1199-DF16-1EDA-563D-EBCF37D7C477}"/>
-              </a:ext>
-            </a:extLst>
-          </p:cNvPr>
-          <p:cNvSpPr txBox="1"/>
-          <p:nvPr/>
-        </p:nvSpPr>
-        <p:spPr>
-          <a:xfrm>
-            <a:off x="760732" y="3831418"/>
-            <a:ext cx="4983125" cy="954107"/>
-          </a:xfrm>
-          <a:prstGeom prst="rect">
-            <a:avLst/>
-          </a:prstGeom>
-          <a:noFill/>
-        </p:spPr>
-        <p:txBody>
-          <a:bodyPr wrap="square" rtlCol="0">
-            <a:spAutoFit/>
-          </a:bodyPr>
-          <a:lstStyle/>
-          <a:p>
-            <a:pPr marL="457200" indent="-317500">
-              <a:spcBef>
-                <a:spcPts val="600"/>
-              </a:spcBef>
-              <a:buClr>
-                <a:srgbClr val="19BBD5"/>
-              </a:buClr>
-              <a:buSzPts val="1400"/>
-              <a:buFont typeface="Muli"/>
-              <a:buChar char="◇"/>
-            </a:pPr>
-            <a:r>
-              <a:rPr lang="en-US" dirty="0">
-                <a:solidFill>
-                  <a:srgbClr val="C6DAEC"/>
-                </a:solidFill>
-                <a:latin typeface="Muli"/>
-                <a:sym typeface="Muli"/>
-              </a:rPr>
-              <a:t>Coroutines are a special type of function that deliberately yield control over to the caller, but does not end its context in the process, instead maintaining it in an idle state.</a:t>
-            </a:r>
-            <a:endParaRPr lang="en-IN" dirty="0">
-              <a:solidFill>
-                <a:srgbClr val="C6DAEC"/>
-              </a:solidFill>
-              <a:latin typeface="Muli"/>
-              <a:sym typeface="Muli"/>
-            </a:endParaRPr>
-          </a:p>
-        </p:txBody>
-      </p:sp>
-    </p:spTree>
-    <p:extLst>
-      <p:ext uri="{BB962C8B-B14F-4D97-AF65-F5344CB8AC3E}">
-        <p14:creationId xmlns:p14="http://schemas.microsoft.com/office/powerpoint/2010/main" val="2751973877"/>
-      </p:ext>
-    </p:extLst>
-  </p:cSld>
-  <p:clrMapOvr>
-    <a:masterClrMapping/>
-  </p:clrMapOvr>
-</p:sld>
-</file>
-
-<file path=ppt/slides/slide20.xml><?xml version="1.0" encoding="utf-8"?>
+<file path=ppt/slides/slide25.xml><?xml version="1.0" encoding="utf-8"?>
 <p:sld xmlns:a="http://schemas.openxmlformats.org/drawingml/2006/main" xmlns:r="http://schemas.openxmlformats.org/officeDocument/2006/relationships" xmlns:p="http://schemas.openxmlformats.org/presentationml/2006/main">
   <p:cSld>
     <p:spTree>
@@ -39903,7 +40752,7 @@
             </a:pPr>
             <a:fld id="{00000000-1234-1234-1234-123412341234}" type="slidenum">
               <a:rPr lang="en" smtClean="0"/>
-              <a:t>20</a:t>
+              <a:t>25</a:t>
             </a:fld>
             <a:endParaRPr lang="en"/>
           </a:p>
@@ -40085,7 +40934,7 @@
 </p:sld>
 </file>
 
-<file path=ppt/slides/slide21.xml><?xml version="1.0" encoding="utf-8"?>
+<file path=ppt/slides/slide26.xml><?xml version="1.0" encoding="utf-8"?>
 <p:sld xmlns:a="http://schemas.openxmlformats.org/drawingml/2006/main" xmlns:r="http://schemas.openxmlformats.org/officeDocument/2006/relationships" xmlns:p="http://schemas.openxmlformats.org/presentationml/2006/main">
   <p:cSld>
     <p:spTree>
@@ -40172,7 +41021,7 @@
             </a:pPr>
             <a:fld id="{00000000-1234-1234-1234-123412341234}" type="slidenum">
               <a:rPr lang="en" smtClean="0"/>
-              <a:t>21</a:t>
+              <a:t>26</a:t>
             </a:fld>
             <a:endParaRPr lang="en"/>
           </a:p>
@@ -40353,7 +41202,7 @@
 </p:sld>
 </file>
 
-<file path=ppt/slides/slide22.xml><?xml version="1.0" encoding="utf-8"?>
+<file path=ppt/slides/slide27.xml><?xml version="1.0" encoding="utf-8"?>
 <p:sld xmlns:a="http://schemas.openxmlformats.org/drawingml/2006/main" xmlns:r="http://schemas.openxmlformats.org/officeDocument/2006/relationships" xmlns:p="http://schemas.openxmlformats.org/presentationml/2006/main">
   <p:cSld>
     <p:spTree>
@@ -40591,7 +41440,7 @@
             </a:pPr>
             <a:fld id="{00000000-1234-1234-1234-123412341234}" type="slidenum">
               <a:rPr lang="en"/>
-              <a:t>22</a:t>
+              <a:t>27</a:t>
             </a:fld>
             <a:endParaRPr/>
           </a:p>
@@ -41679,7 +42528,7 @@
 </p:sld>
 </file>
 
-<file path=ppt/slides/slide23.xml><?xml version="1.0" encoding="utf-8"?>
+<file path=ppt/slides/slide28.xml><?xml version="1.0" encoding="utf-8"?>
 <p:sld xmlns:a="http://schemas.openxmlformats.org/drawingml/2006/main" xmlns:r="http://schemas.openxmlformats.org/officeDocument/2006/relationships" xmlns:p="http://schemas.openxmlformats.org/presentationml/2006/main">
   <p:cSld>
     <p:spTree>
@@ -42698,7 +43547,7 @@
             </a:pPr>
             <a:fld id="{00000000-1234-1234-1234-123412341234}" type="slidenum">
               <a:rPr lang="en"/>
-              <a:t>23</a:t>
+              <a:t>28</a:t>
             </a:fld>
             <a:endParaRPr/>
           </a:p>
